--- a/doc/assets/ppt/第 5 部分 系统运维.pptx
+++ b/doc/assets/ppt/第 5 部分 系统运维.pptx
@@ -5,11 +5,12 @@
     <p:sldMasterId id="2147483648" r:id="rId1"/>
   </p:sldMasterIdLst>
   <p:notesMasterIdLst>
-    <p:notesMasterId r:id="rId4"/>
+    <p:notesMasterId r:id="rId5"/>
   </p:notesMasterIdLst>
   <p:sldIdLst>
     <p:sldId id="337" r:id="rId2"/>
     <p:sldId id="338" r:id="rId3"/>
+    <p:sldId id="339" r:id="rId4"/>
   </p:sldIdLst>
   <p:sldSz cx="5040313" cy="3600450"/>
   <p:notesSz cx="6858000" cy="9144000"/>
@@ -115,6 +116,11 @@
           <p14:sldIdLst>
             <p14:sldId id="337"/>
             <p14:sldId id="338"/>
+          </p14:sldIdLst>
+        </p14:section>
+        <p14:section name="第02节：安装环境 Redis" id="{6A379FFB-4EBC-C744-BBE4-CB8875709903}">
+          <p14:sldIdLst>
+            <p14:sldId id="339"/>
           </p14:sldIdLst>
         </p14:section>
       </p14:sectionLst>
@@ -8006,6 +8012,979 @@
     <p:extLst>
       <p:ext uri="{BB962C8B-B14F-4D97-AF65-F5344CB8AC3E}">
         <p14:creationId xmlns:p14="http://schemas.microsoft.com/office/powerpoint/2010/main" val="3671383377"/>
+      </p:ext>
+    </p:extLst>
+  </p:cSld>
+  <p:clrMapOvr>
+    <a:masterClrMapping/>
+  </p:clrMapOvr>
+</p:sld>
+</file>
+
+<file path=ppt/slides/slide3.xml><?xml version="1.0" encoding="utf-8"?>
+<p:sld xmlns:a="http://schemas.openxmlformats.org/drawingml/2006/main" xmlns:r="http://schemas.openxmlformats.org/officeDocument/2006/relationships" xmlns:p="http://schemas.openxmlformats.org/presentationml/2006/main">
+  <p:cSld>
+    <p:spTree>
+      <p:nvGrpSpPr>
+        <p:cNvPr id="1" name=""/>
+        <p:cNvGrpSpPr/>
+        <p:nvPr/>
+      </p:nvGrpSpPr>
+      <p:grpSpPr>
+        <a:xfrm>
+          <a:off x="0" y="0"/>
+          <a:ext cx="0" cy="0"/>
+          <a:chOff x="0" y="0"/>
+          <a:chExt cx="0" cy="0"/>
+        </a:xfrm>
+      </p:grpSpPr>
+      <p:sp>
+        <p:nvSpPr>
+          <p:cNvPr id="3" name="矩形 2">
+            <a:extLst>
+              <a:ext uri="{FF2B5EF4-FFF2-40B4-BE49-F238E27FC236}">
+                <a16:creationId xmlns:a16="http://schemas.microsoft.com/office/drawing/2014/main" id="{01E47C42-3A0F-AE4F-9D52-DD7C0E71E04A}"/>
+              </a:ext>
+            </a:extLst>
+          </p:cNvPr>
+          <p:cNvSpPr/>
+          <p:nvPr/>
+        </p:nvSpPr>
+        <p:spPr>
+          <a:xfrm>
+            <a:off x="1" y="1297555"/>
+            <a:ext cx="5040312" cy="369332"/>
+          </a:xfrm>
+          <a:prstGeom prst="rect">
+            <a:avLst/>
+          </a:prstGeom>
+        </p:spPr>
+        <p:txBody>
+          <a:bodyPr wrap="square">
+            <a:spAutoFit/>
+          </a:bodyPr>
+          <a:lstStyle/>
+          <a:p>
+            <a:pPr algn="ctr"/>
+            <a:r>
+              <a:rPr lang="zh-CN" altLang="en-US" sz="1800" dirty="0"/>
+              <a:t>第</a:t>
+            </a:r>
+            <a:r>
+              <a:rPr lang="en-US" altLang="zh-CN" sz="1800" dirty="0"/>
+              <a:t>02</a:t>
+            </a:r>
+            <a:r>
+              <a:rPr lang="zh-CN" altLang="en-US" sz="1800" dirty="0"/>
+              <a:t>节：安装环境 </a:t>
+            </a:r>
+            <a:r>
+              <a:rPr lang="en" altLang="zh-CN" sz="1800" dirty="0"/>
+              <a:t>Redis</a:t>
+            </a:r>
+            <a:endParaRPr lang="zh-CN" altLang="en-US" sz="1800" dirty="0"/>
+          </a:p>
+        </p:txBody>
+      </p:sp>
+      <p:sp>
+        <p:nvSpPr>
+          <p:cNvPr id="11" name="矩形 10">
+            <a:extLst>
+              <a:ext uri="{FF2B5EF4-FFF2-40B4-BE49-F238E27FC236}">
+                <a16:creationId xmlns:a16="http://schemas.microsoft.com/office/drawing/2014/main" id="{3BFD82CE-F64F-3D4E-A4C8-923660A6B63B}"/>
+              </a:ext>
+            </a:extLst>
+          </p:cNvPr>
+          <p:cNvSpPr/>
+          <p:nvPr/>
+        </p:nvSpPr>
+        <p:spPr>
+          <a:xfrm>
+            <a:off x="1" y="56943"/>
+            <a:ext cx="2815193" cy="338554"/>
+          </a:xfrm>
+          <a:prstGeom prst="rect">
+            <a:avLst/>
+          </a:prstGeom>
+          <a:noFill/>
+        </p:spPr>
+        <p:txBody>
+          <a:bodyPr wrap="none" lIns="91440" tIns="45720" rIns="91440" bIns="45720">
+            <a:spAutoFit/>
+          </a:bodyPr>
+          <a:lstStyle/>
+          <a:p>
+            <a:pPr algn="ctr"/>
+            <a:r>
+              <a:rPr lang="zh-CN" altLang="en-US" sz="1600" b="1" cap="none" spc="0" dirty="0">
+                <a:ln w="12700">
+                  <a:solidFill>
+                    <a:schemeClr val="accent5"/>
+                  </a:solidFill>
+                  <a:prstDash val="solid"/>
+                </a:ln>
+                <a:pattFill prst="ltDnDiag">
+                  <a:fgClr>
+                    <a:schemeClr val="accent5">
+                      <a:lumMod val="60000"/>
+                      <a:lumOff val="40000"/>
+                    </a:schemeClr>
+                  </a:fgClr>
+                  <a:bgClr>
+                    <a:schemeClr val="bg1"/>
+                  </a:bgClr>
+                </a:pattFill>
+                <a:effectLst/>
+              </a:rPr>
+              <a:t>抽奖系统 </a:t>
+            </a:r>
+            <a:r>
+              <a:rPr lang="en-US" altLang="zh-CN" sz="1600" b="1" cap="none" spc="0" dirty="0">
+                <a:ln w="12700">
+                  <a:solidFill>
+                    <a:schemeClr val="accent5"/>
+                  </a:solidFill>
+                  <a:prstDash val="solid"/>
+                </a:ln>
+                <a:pattFill prst="ltDnDiag">
+                  <a:fgClr>
+                    <a:schemeClr val="accent5">
+                      <a:lumMod val="60000"/>
+                      <a:lumOff val="40000"/>
+                    </a:schemeClr>
+                  </a:fgClr>
+                  <a:bgClr>
+                    <a:schemeClr val="bg1"/>
+                  </a:bgClr>
+                </a:pattFill>
+                <a:effectLst/>
+              </a:rPr>
+              <a:t>·</a:t>
+            </a:r>
+            <a:r>
+              <a:rPr lang="zh-CN" altLang="en-US" sz="1600" b="1" cap="none" spc="0" dirty="0">
+                <a:ln w="12700">
+                  <a:solidFill>
+                    <a:schemeClr val="accent5"/>
+                  </a:solidFill>
+                  <a:prstDash val="solid"/>
+                </a:ln>
+                <a:pattFill prst="ltDnDiag">
+                  <a:fgClr>
+                    <a:schemeClr val="accent5">
+                      <a:lumMod val="60000"/>
+                      <a:lumOff val="40000"/>
+                    </a:schemeClr>
+                  </a:fgClr>
+                  <a:bgClr>
+                    <a:schemeClr val="bg1"/>
+                  </a:bgClr>
+                </a:pattFill>
+                <a:effectLst/>
+              </a:rPr>
+              <a:t> 第</a:t>
+            </a:r>
+            <a:r>
+              <a:rPr lang="en-US" altLang="zh-CN" sz="1600" b="1" cap="none" spc="0" dirty="0">
+                <a:ln w="12700">
+                  <a:solidFill>
+                    <a:schemeClr val="accent5"/>
+                  </a:solidFill>
+                  <a:prstDash val="solid"/>
+                </a:ln>
+                <a:pattFill prst="ltDnDiag">
+                  <a:fgClr>
+                    <a:schemeClr val="accent5">
+                      <a:lumMod val="60000"/>
+                      <a:lumOff val="40000"/>
+                    </a:schemeClr>
+                  </a:fgClr>
+                  <a:bgClr>
+                    <a:schemeClr val="bg1"/>
+                  </a:bgClr>
+                </a:pattFill>
+                <a:effectLst/>
+              </a:rPr>
+              <a:t>5</a:t>
+            </a:r>
+            <a:r>
+              <a:rPr lang="zh-CN" altLang="en-US" sz="1600" b="1" cap="none" spc="0" dirty="0">
+                <a:ln w="12700">
+                  <a:solidFill>
+                    <a:schemeClr val="accent5"/>
+                  </a:solidFill>
+                  <a:prstDash val="solid"/>
+                </a:ln>
+                <a:pattFill prst="ltDnDiag">
+                  <a:fgClr>
+                    <a:schemeClr val="accent5">
+                      <a:lumMod val="60000"/>
+                      <a:lumOff val="40000"/>
+                    </a:schemeClr>
+                  </a:fgClr>
+                  <a:bgClr>
+                    <a:schemeClr val="bg1"/>
+                  </a:bgClr>
+                </a:pattFill>
+                <a:effectLst/>
+              </a:rPr>
+              <a:t>部分 系统运维</a:t>
+            </a:r>
+          </a:p>
+        </p:txBody>
+      </p:sp>
+      <p:sp>
+        <p:nvSpPr>
+          <p:cNvPr id="2" name="矩形 1">
+            <a:extLst>
+              <a:ext uri="{FF2B5EF4-FFF2-40B4-BE49-F238E27FC236}">
+                <a16:creationId xmlns:a16="http://schemas.microsoft.com/office/drawing/2014/main" id="{9DBC7427-2BE1-C246-A1BD-FCD4832FA2DE}"/>
+              </a:ext>
+            </a:extLst>
+          </p:cNvPr>
+          <p:cNvSpPr/>
+          <p:nvPr/>
+        </p:nvSpPr>
+        <p:spPr>
+          <a:xfrm>
+            <a:off x="160071" y="2015669"/>
+            <a:ext cx="4720168" cy="1338828"/>
+          </a:xfrm>
+          <a:prstGeom prst="rect">
+            <a:avLst/>
+          </a:prstGeom>
+        </p:spPr>
+        <p:txBody>
+          <a:bodyPr wrap="square">
+            <a:spAutoFit/>
+          </a:bodyPr>
+          <a:lstStyle/>
+          <a:p>
+            <a:pPr marL="171450" indent="-171450">
+              <a:buFont typeface="Arial" panose="020B0604020202020204" pitchFamily="34" charset="0"/>
+              <a:buChar char="•"/>
+            </a:pPr>
+            <a:r>
+              <a:rPr lang="zh-CN" altLang="en-US" sz="800" dirty="0">
+                <a:solidFill>
+                  <a:schemeClr val="tx1">
+                    <a:lumMod val="75000"/>
+                    <a:lumOff val="25000"/>
+                  </a:schemeClr>
+                </a:solidFill>
+                <a:latin typeface="+mj-ea"/>
+                <a:ea typeface="+mj-ea"/>
+              </a:rPr>
+              <a:t>从</a:t>
+            </a:r>
+            <a:r>
+              <a:rPr lang="zh-CN" altLang="en-US" sz="800" dirty="0">
+                <a:solidFill>
+                  <a:schemeClr val="tx1">
+                    <a:lumMod val="75000"/>
+                    <a:lumOff val="25000"/>
+                  </a:schemeClr>
+                </a:solidFill>
+                <a:latin typeface="+mj-ea"/>
+                <a:ea typeface="+mj-ea"/>
+                <a:hlinkClick r:id="rId2">
+                  <a:extLst>
+                    <a:ext uri="{A12FA001-AC4F-418D-AE19-62706E023703}">
+                      <ahyp:hlinkClr xmlns:ahyp="http://schemas.microsoft.com/office/drawing/2018/hyperlinkcolor" val="tx"/>
+                    </a:ext>
+                  </a:extLst>
+                </a:hlinkClick>
+              </a:rPr>
+              <a:t>官网</a:t>
+            </a:r>
+            <a:r>
+              <a:rPr lang="zh-CN" altLang="en-US" sz="800" dirty="0">
+                <a:solidFill>
+                  <a:schemeClr val="tx1">
+                    <a:lumMod val="75000"/>
+                    <a:lumOff val="25000"/>
+                  </a:schemeClr>
+                </a:solidFill>
+                <a:latin typeface="+mj-ea"/>
+                <a:ea typeface="+mj-ea"/>
+              </a:rPr>
+              <a:t>下载 </a:t>
+            </a:r>
+            <a:r>
+              <a:rPr lang="en" altLang="zh-CN" sz="800" dirty="0">
+                <a:solidFill>
+                  <a:schemeClr val="tx1">
+                    <a:lumMod val="75000"/>
+                    <a:lumOff val="25000"/>
+                  </a:schemeClr>
+                </a:solidFill>
+                <a:latin typeface="+mj-ea"/>
+                <a:ea typeface="+mj-ea"/>
+              </a:rPr>
+              <a:t>Redis </a:t>
+            </a:r>
+            <a:r>
+              <a:rPr lang="zh-CN" altLang="en-US" sz="800" dirty="0">
+                <a:solidFill>
+                  <a:schemeClr val="tx1">
+                    <a:lumMod val="75000"/>
+                    <a:lumOff val="25000"/>
+                  </a:schemeClr>
+                </a:solidFill>
+                <a:latin typeface="+mj-ea"/>
+                <a:ea typeface="+mj-ea"/>
+              </a:rPr>
+              <a:t>安装包，主要为了获取 </a:t>
+            </a:r>
+            <a:r>
+              <a:rPr lang="en" altLang="zh-CN" sz="800" dirty="0">
+                <a:solidFill>
+                  <a:schemeClr val="tx1">
+                    <a:lumMod val="75000"/>
+                    <a:lumOff val="25000"/>
+                  </a:schemeClr>
+                </a:solidFill>
+                <a:latin typeface="+mj-ea"/>
+                <a:ea typeface="+mj-ea"/>
+                <a:hlinkClick r:id="rId3">
+                  <a:extLst>
+                    <a:ext uri="{A12FA001-AC4F-418D-AE19-62706E023703}">
+                      <ahyp:hlinkClr xmlns:ahyp="http://schemas.microsoft.com/office/drawing/2018/hyperlinkcolor" val="tx"/>
+                    </a:ext>
+                  </a:extLst>
+                </a:hlinkClick>
+              </a:rPr>
+              <a:t>redis.conf</a:t>
+            </a:r>
+            <a:r>
+              <a:rPr lang="en" altLang="zh-CN" sz="800" dirty="0">
+                <a:solidFill>
+                  <a:schemeClr val="tx1">
+                    <a:lumMod val="75000"/>
+                    <a:lumOff val="25000"/>
+                  </a:schemeClr>
+                </a:solidFill>
+                <a:latin typeface="+mj-ea"/>
+                <a:ea typeface="+mj-ea"/>
+              </a:rPr>
+              <a:t> </a:t>
+            </a:r>
+            <a:r>
+              <a:rPr lang="zh-CN" altLang="en-US" sz="800" dirty="0">
+                <a:solidFill>
+                  <a:schemeClr val="tx1">
+                    <a:lumMod val="75000"/>
+                    <a:lumOff val="25000"/>
+                  </a:schemeClr>
+                </a:solidFill>
+                <a:latin typeface="+mj-ea"/>
+                <a:ea typeface="+mj-ea"/>
+              </a:rPr>
+              <a:t>配置文件。因为需要按照模板配置文件，修改一些必备的参数，才能让启动后的 </a:t>
+            </a:r>
+            <a:r>
+              <a:rPr lang="en" altLang="zh-CN" sz="800" dirty="0">
+                <a:solidFill>
+                  <a:schemeClr val="tx1">
+                    <a:lumMod val="75000"/>
+                    <a:lumOff val="25000"/>
+                  </a:schemeClr>
+                </a:solidFill>
+                <a:latin typeface="+mj-ea"/>
+                <a:ea typeface="+mj-ea"/>
+              </a:rPr>
+              <a:t>Redis </a:t>
+            </a:r>
+            <a:r>
+              <a:rPr lang="zh-CN" altLang="en-US" sz="800" dirty="0">
+                <a:solidFill>
+                  <a:schemeClr val="tx1">
+                    <a:lumMod val="75000"/>
+                    <a:lumOff val="25000"/>
+                  </a:schemeClr>
+                </a:solidFill>
+                <a:latin typeface="+mj-ea"/>
+                <a:ea typeface="+mj-ea"/>
+              </a:rPr>
+              <a:t>被远程链接 </a:t>
+            </a:r>
+            <a:endParaRPr lang="en-US" altLang="zh-CN" sz="800" dirty="0">
+              <a:solidFill>
+                <a:schemeClr val="tx1">
+                  <a:lumMod val="75000"/>
+                  <a:lumOff val="25000"/>
+                </a:schemeClr>
+              </a:solidFill>
+              <a:latin typeface="+mj-ea"/>
+              <a:ea typeface="+mj-ea"/>
+            </a:endParaRPr>
+          </a:p>
+          <a:p>
+            <a:pPr marL="171450" indent="-171450">
+              <a:buFont typeface="Arial" panose="020B0604020202020204" pitchFamily="34" charset="0"/>
+              <a:buChar char="•"/>
+            </a:pPr>
+            <a:endParaRPr lang="en-US" altLang="zh-CN" sz="800" dirty="0">
+              <a:solidFill>
+                <a:schemeClr val="tx1">
+                  <a:lumMod val="75000"/>
+                  <a:lumOff val="25000"/>
+                </a:schemeClr>
+              </a:solidFill>
+              <a:latin typeface="+mj-ea"/>
+              <a:ea typeface="+mj-ea"/>
+            </a:endParaRPr>
+          </a:p>
+          <a:p>
+            <a:pPr marL="171450" indent="-171450">
+              <a:buFont typeface="Arial" panose="020B0604020202020204" pitchFamily="34" charset="0"/>
+              <a:buChar char="•"/>
+            </a:pPr>
+            <a:r>
+              <a:rPr lang="zh-CN" altLang="en-US" sz="800" dirty="0">
+                <a:solidFill>
+                  <a:schemeClr val="tx1">
+                    <a:lumMod val="75000"/>
+                    <a:lumOff val="25000"/>
+                  </a:schemeClr>
+                </a:solidFill>
+                <a:latin typeface="+mj-ea"/>
+                <a:ea typeface="+mj-ea"/>
+              </a:rPr>
+              <a:t>下载 </a:t>
+            </a:r>
+            <a:r>
+              <a:rPr lang="en" altLang="zh-CN" sz="800" dirty="0">
+                <a:solidFill>
+                  <a:schemeClr val="tx1">
+                    <a:lumMod val="75000"/>
+                    <a:lumOff val="25000"/>
+                  </a:schemeClr>
+                </a:solidFill>
+                <a:latin typeface="+mj-ea"/>
+                <a:ea typeface="+mj-ea"/>
+              </a:rPr>
+              <a:t>SFTP </a:t>
+            </a:r>
+            <a:r>
+              <a:rPr lang="zh-CN" altLang="en-US" sz="800" dirty="0">
+                <a:solidFill>
+                  <a:schemeClr val="tx1">
+                    <a:lumMod val="75000"/>
+                    <a:lumOff val="25000"/>
+                  </a:schemeClr>
+                </a:solidFill>
+                <a:latin typeface="+mj-ea"/>
+                <a:ea typeface="+mj-ea"/>
+              </a:rPr>
+              <a:t>软件 </a:t>
+            </a:r>
+            <a:r>
+              <a:rPr lang="en" altLang="zh-CN" sz="800" dirty="0">
+                <a:solidFill>
+                  <a:schemeClr val="tx1">
+                    <a:lumMod val="75000"/>
+                    <a:lumOff val="25000"/>
+                  </a:schemeClr>
+                </a:solidFill>
+                <a:latin typeface="+mj-ea"/>
+                <a:ea typeface="+mj-ea"/>
+              </a:rPr>
+              <a:t>Transmit</a:t>
+            </a:r>
+            <a:r>
+              <a:rPr lang="zh-CN" altLang="en" sz="800" dirty="0">
+                <a:solidFill>
+                  <a:schemeClr val="tx1">
+                    <a:lumMod val="75000"/>
+                    <a:lumOff val="25000"/>
+                  </a:schemeClr>
+                </a:solidFill>
+                <a:latin typeface="+mj-ea"/>
+                <a:ea typeface="+mj-ea"/>
+              </a:rPr>
+              <a:t>，</a:t>
+            </a:r>
+            <a:r>
+              <a:rPr lang="zh-CN" altLang="en-US" sz="800" dirty="0">
+                <a:solidFill>
+                  <a:schemeClr val="tx1">
+                    <a:lumMod val="75000"/>
+                    <a:lumOff val="25000"/>
+                  </a:schemeClr>
+                </a:solidFill>
+                <a:latin typeface="+mj-ea"/>
+                <a:ea typeface="+mj-ea"/>
+              </a:rPr>
+              <a:t>链接远程服务器创建 </a:t>
+            </a:r>
+            <a:r>
+              <a:rPr lang="en" altLang="zh-CN" sz="800" dirty="0" err="1">
+                <a:solidFill>
+                  <a:schemeClr val="tx1">
+                    <a:lumMod val="75000"/>
+                    <a:lumOff val="25000"/>
+                  </a:schemeClr>
+                </a:solidFill>
+                <a:latin typeface="+mj-ea"/>
+                <a:ea typeface="+mj-ea"/>
+              </a:rPr>
+              <a:t>redis</a:t>
+            </a:r>
+            <a:r>
+              <a:rPr lang="en" altLang="zh-CN" sz="800" dirty="0">
+                <a:solidFill>
+                  <a:schemeClr val="tx1">
+                    <a:lumMod val="75000"/>
+                    <a:lumOff val="25000"/>
+                  </a:schemeClr>
+                </a:solidFill>
+                <a:latin typeface="+mj-ea"/>
+                <a:ea typeface="+mj-ea"/>
+              </a:rPr>
+              <a:t> </a:t>
+            </a:r>
+            <a:r>
+              <a:rPr lang="zh-CN" altLang="en-US" sz="800" dirty="0">
+                <a:solidFill>
+                  <a:schemeClr val="tx1">
+                    <a:lumMod val="75000"/>
+                    <a:lumOff val="25000"/>
+                  </a:schemeClr>
+                </a:solidFill>
+                <a:latin typeface="+mj-ea"/>
+                <a:ea typeface="+mj-ea"/>
+              </a:rPr>
+              <a:t>配置文件夹，并上传 </a:t>
+            </a:r>
+            <a:r>
+              <a:rPr lang="en" altLang="zh-CN" sz="800" dirty="0">
+                <a:solidFill>
+                  <a:schemeClr val="tx1">
+                    <a:lumMod val="75000"/>
+                    <a:lumOff val="25000"/>
+                  </a:schemeClr>
+                </a:solidFill>
+                <a:latin typeface="+mj-ea"/>
+                <a:ea typeface="+mj-ea"/>
+                <a:hlinkClick r:id="rId3">
+                  <a:extLst>
+                    <a:ext uri="{A12FA001-AC4F-418D-AE19-62706E023703}">
+                      <ahyp:hlinkClr xmlns:ahyp="http://schemas.microsoft.com/office/drawing/2018/hyperlinkcolor" val="tx"/>
+                    </a:ext>
+                  </a:extLst>
+                </a:hlinkClick>
+              </a:rPr>
+              <a:t>redis.conf</a:t>
+            </a:r>
+            <a:r>
+              <a:rPr lang="en" altLang="zh-CN" sz="800" dirty="0">
+                <a:solidFill>
+                  <a:schemeClr val="tx1">
+                    <a:lumMod val="75000"/>
+                    <a:lumOff val="25000"/>
+                  </a:schemeClr>
+                </a:solidFill>
+                <a:latin typeface="+mj-ea"/>
+                <a:ea typeface="+mj-ea"/>
+              </a:rPr>
+              <a:t> </a:t>
+            </a:r>
+            <a:r>
+              <a:rPr lang="zh-CN" altLang="en-US" sz="800" dirty="0">
+                <a:solidFill>
+                  <a:schemeClr val="tx1">
+                    <a:lumMod val="75000"/>
+                    <a:lumOff val="25000"/>
+                  </a:schemeClr>
+                </a:solidFill>
+                <a:latin typeface="+mj-ea"/>
+                <a:ea typeface="+mj-ea"/>
+              </a:rPr>
+              <a:t>在 </a:t>
+            </a:r>
+            <a:r>
+              <a:rPr lang="en" altLang="zh-CN" sz="800" dirty="0">
+                <a:solidFill>
+                  <a:schemeClr val="tx1">
+                    <a:lumMod val="75000"/>
+                    <a:lumOff val="25000"/>
+                  </a:schemeClr>
+                </a:solidFill>
+                <a:latin typeface="+mj-ea"/>
+                <a:ea typeface="+mj-ea"/>
+              </a:rPr>
+              <a:t>Docker </a:t>
+            </a:r>
+            <a:r>
+              <a:rPr lang="zh-CN" altLang="en-US" sz="800" dirty="0">
+                <a:solidFill>
+                  <a:schemeClr val="tx1">
+                    <a:lumMod val="75000"/>
+                    <a:lumOff val="25000"/>
+                  </a:schemeClr>
+                </a:solidFill>
+                <a:latin typeface="+mj-ea"/>
+                <a:ea typeface="+mj-ea"/>
+              </a:rPr>
+              <a:t>容器中，通过命令安装 </a:t>
+            </a:r>
+            <a:r>
+              <a:rPr lang="en" altLang="zh-CN" sz="800" dirty="0">
+                <a:solidFill>
+                  <a:schemeClr val="tx1">
+                    <a:lumMod val="75000"/>
+                    <a:lumOff val="25000"/>
+                  </a:schemeClr>
+                </a:solidFill>
+                <a:latin typeface="+mj-ea"/>
+                <a:ea typeface="+mj-ea"/>
+              </a:rPr>
+              <a:t>Redis</a:t>
+            </a:r>
+            <a:r>
+              <a:rPr lang="zh-CN" altLang="en" sz="800" dirty="0">
+                <a:solidFill>
+                  <a:schemeClr val="tx1">
+                    <a:lumMod val="75000"/>
+                    <a:lumOff val="25000"/>
+                  </a:schemeClr>
+                </a:solidFill>
+                <a:latin typeface="+mj-ea"/>
+                <a:ea typeface="+mj-ea"/>
+              </a:rPr>
+              <a:t>，</a:t>
+            </a:r>
+            <a:r>
+              <a:rPr lang="zh-CN" altLang="en-US" sz="800" dirty="0">
+                <a:solidFill>
+                  <a:schemeClr val="tx1">
+                    <a:lumMod val="75000"/>
+                    <a:lumOff val="25000"/>
+                  </a:schemeClr>
+                </a:solidFill>
+                <a:latin typeface="+mj-ea"/>
+                <a:ea typeface="+mj-ea"/>
+              </a:rPr>
+              <a:t>因为这样可以把 </a:t>
+            </a:r>
+            <a:r>
+              <a:rPr lang="en" altLang="zh-CN" sz="800" dirty="0">
+                <a:solidFill>
+                  <a:schemeClr val="tx1">
+                    <a:lumMod val="75000"/>
+                    <a:lumOff val="25000"/>
+                  </a:schemeClr>
+                </a:solidFill>
+                <a:latin typeface="+mj-ea"/>
+                <a:ea typeface="+mj-ea"/>
+              </a:rPr>
+              <a:t>Redis </a:t>
+            </a:r>
+            <a:r>
+              <a:rPr lang="zh-CN" altLang="en-US" sz="800" dirty="0">
+                <a:solidFill>
+                  <a:schemeClr val="tx1">
+                    <a:lumMod val="75000"/>
+                    <a:lumOff val="25000"/>
+                  </a:schemeClr>
+                </a:solidFill>
+                <a:latin typeface="+mj-ea"/>
+                <a:ea typeface="+mj-ea"/>
+              </a:rPr>
+              <a:t>配置一并加入并启动，否则默认情况下为不加载配置，这样即使安装完成也不能被</a:t>
+            </a:r>
+            <a:endParaRPr lang="en-US" altLang="zh-CN" sz="800" dirty="0">
+              <a:solidFill>
+                <a:schemeClr val="tx1">
+                  <a:lumMod val="75000"/>
+                  <a:lumOff val="25000"/>
+                </a:schemeClr>
+              </a:solidFill>
+              <a:latin typeface="+mj-ea"/>
+              <a:ea typeface="+mj-ea"/>
+            </a:endParaRPr>
+          </a:p>
+          <a:p>
+            <a:pPr marL="171450" indent="-171450">
+              <a:buFont typeface="Arial" panose="020B0604020202020204" pitchFamily="34" charset="0"/>
+              <a:buChar char="•"/>
+            </a:pPr>
+            <a:endParaRPr lang="en-US" altLang="zh-CN" sz="800" dirty="0">
+              <a:solidFill>
+                <a:schemeClr val="tx1">
+                  <a:lumMod val="75000"/>
+                  <a:lumOff val="25000"/>
+                </a:schemeClr>
+              </a:solidFill>
+              <a:latin typeface="+mj-ea"/>
+              <a:ea typeface="+mj-ea"/>
+            </a:endParaRPr>
+          </a:p>
+          <a:p>
+            <a:pPr marL="171450" indent="-171450">
+              <a:buFont typeface="Arial" panose="020B0604020202020204" pitchFamily="34" charset="0"/>
+              <a:buChar char="•"/>
+            </a:pPr>
+            <a:r>
+              <a:rPr lang="zh-CN" altLang="en-US" sz="800" dirty="0">
+                <a:solidFill>
+                  <a:schemeClr val="tx1">
+                    <a:lumMod val="75000"/>
+                    <a:lumOff val="25000"/>
+                  </a:schemeClr>
+                </a:solidFill>
+                <a:latin typeface="+mj-ea"/>
+                <a:ea typeface="+mj-ea"/>
+              </a:rPr>
+              <a:t>本地访问到。注意：</a:t>
+            </a:r>
+            <a:r>
+              <a:rPr lang="en" altLang="zh-CN" sz="800" dirty="0" err="1">
+                <a:solidFill>
+                  <a:schemeClr val="tx1">
+                    <a:lumMod val="75000"/>
+                    <a:lumOff val="25000"/>
+                  </a:schemeClr>
+                </a:solidFill>
+                <a:latin typeface="+mj-ea"/>
+                <a:ea typeface="+mj-ea"/>
+              </a:rPr>
+              <a:t>redis.conf</a:t>
+            </a:r>
+            <a:r>
+              <a:rPr lang="en" altLang="zh-CN" sz="800" dirty="0">
+                <a:solidFill>
+                  <a:schemeClr val="tx1">
+                    <a:lumMod val="75000"/>
+                    <a:lumOff val="25000"/>
+                  </a:schemeClr>
+                </a:solidFill>
+                <a:latin typeface="+mj-ea"/>
+                <a:ea typeface="+mj-ea"/>
+              </a:rPr>
+              <a:t> </a:t>
+            </a:r>
+            <a:r>
+              <a:rPr lang="zh-CN" altLang="en-US" sz="800" dirty="0">
+                <a:solidFill>
+                  <a:schemeClr val="tx1">
+                    <a:lumMod val="75000"/>
+                    <a:lumOff val="25000"/>
+                  </a:schemeClr>
+                </a:solidFill>
+                <a:latin typeface="+mj-ea"/>
+                <a:ea typeface="+mj-ea"/>
+              </a:rPr>
+              <a:t>配置了 </a:t>
+            </a:r>
+            <a:r>
+              <a:rPr lang="en" altLang="zh-CN" sz="800" dirty="0">
+                <a:solidFill>
+                  <a:schemeClr val="tx1">
+                    <a:lumMod val="75000"/>
+                    <a:lumOff val="25000"/>
+                  </a:schemeClr>
+                </a:solidFill>
+                <a:latin typeface="+mj-ea"/>
+                <a:ea typeface="+mj-ea"/>
+              </a:rPr>
+              <a:t>Redis </a:t>
+            </a:r>
+            <a:r>
+              <a:rPr lang="zh-CN" altLang="en-US" sz="800" dirty="0">
+                <a:solidFill>
+                  <a:schemeClr val="tx1">
+                    <a:lumMod val="75000"/>
+                    <a:lumOff val="25000"/>
+                  </a:schemeClr>
+                </a:solidFill>
+                <a:latin typeface="+mj-ea"/>
+                <a:ea typeface="+mj-ea"/>
+              </a:rPr>
+              <a:t>的链接密码 </a:t>
+            </a:r>
+            <a:r>
+              <a:rPr lang="en-US" altLang="zh-CN" sz="800" dirty="0">
+                <a:solidFill>
+                  <a:schemeClr val="tx1">
+                    <a:lumMod val="75000"/>
+                    <a:lumOff val="25000"/>
+                  </a:schemeClr>
+                </a:solidFill>
+                <a:latin typeface="+mj-ea"/>
+                <a:ea typeface="+mj-ea"/>
+              </a:rPr>
+              <a:t>1234 </a:t>
+            </a:r>
+            <a:r>
+              <a:rPr lang="zh-CN" altLang="en-US" sz="800" dirty="0">
+                <a:solidFill>
+                  <a:schemeClr val="tx1">
+                    <a:lumMod val="75000"/>
+                    <a:lumOff val="25000"/>
+                  </a:schemeClr>
+                </a:solidFill>
+                <a:latin typeface="+mj-ea"/>
+                <a:ea typeface="+mj-ea"/>
+              </a:rPr>
+              <a:t>你可以进行更改 安装并启动 </a:t>
+            </a:r>
+            <a:r>
+              <a:rPr lang="en" altLang="zh-CN" sz="800" dirty="0">
+                <a:solidFill>
+                  <a:schemeClr val="tx1">
+                    <a:lumMod val="75000"/>
+                    <a:lumOff val="25000"/>
+                  </a:schemeClr>
+                </a:solidFill>
+                <a:latin typeface="+mj-ea"/>
+                <a:ea typeface="+mj-ea"/>
+              </a:rPr>
+              <a:t>Redis </a:t>
+            </a:r>
+            <a:r>
+              <a:rPr lang="zh-CN" altLang="en-US" sz="800" dirty="0">
+                <a:solidFill>
+                  <a:schemeClr val="tx1">
+                    <a:lumMod val="75000"/>
+                    <a:lumOff val="25000"/>
+                  </a:schemeClr>
+                </a:solidFill>
+                <a:latin typeface="+mj-ea"/>
+                <a:ea typeface="+mj-ea"/>
+              </a:rPr>
+              <a:t>后，可以通过 </a:t>
+            </a:r>
+            <a:r>
+              <a:rPr lang="en" altLang="zh-CN" sz="800" dirty="0" err="1">
+                <a:solidFill>
+                  <a:schemeClr val="tx1">
+                    <a:lumMod val="75000"/>
+                    <a:lumOff val="25000"/>
+                  </a:schemeClr>
+                </a:solidFill>
+                <a:latin typeface="+mj-ea"/>
+                <a:ea typeface="+mj-ea"/>
+              </a:rPr>
+              <a:t>Portainer</a:t>
+            </a:r>
+            <a:r>
+              <a:rPr lang="en" altLang="zh-CN" sz="800" dirty="0">
+                <a:solidFill>
+                  <a:schemeClr val="tx1">
+                    <a:lumMod val="75000"/>
+                    <a:lumOff val="25000"/>
+                  </a:schemeClr>
+                </a:solidFill>
+                <a:latin typeface="+mj-ea"/>
+                <a:ea typeface="+mj-ea"/>
+              </a:rPr>
+              <a:t> </a:t>
+            </a:r>
+            <a:r>
+              <a:rPr lang="zh-CN" altLang="en-US" sz="800" dirty="0">
+                <a:solidFill>
+                  <a:schemeClr val="tx1">
+                    <a:lumMod val="75000"/>
+                    <a:lumOff val="25000"/>
+                  </a:schemeClr>
+                </a:solidFill>
+                <a:latin typeface="+mj-ea"/>
+                <a:ea typeface="+mj-ea"/>
+              </a:rPr>
+              <a:t>中的容器查看 </a:t>
+            </a:r>
+            <a:r>
+              <a:rPr lang="en" altLang="zh-CN" sz="800" dirty="0">
+                <a:solidFill>
+                  <a:schemeClr val="tx1">
+                    <a:lumMod val="75000"/>
+                    <a:lumOff val="25000"/>
+                  </a:schemeClr>
+                </a:solidFill>
+                <a:latin typeface="+mj-ea"/>
+                <a:ea typeface="+mj-ea"/>
+              </a:rPr>
+              <a:t>Redis </a:t>
+            </a:r>
+            <a:r>
+              <a:rPr lang="zh-CN" altLang="en-US" sz="800" dirty="0">
+                <a:solidFill>
+                  <a:schemeClr val="tx1">
+                    <a:lumMod val="75000"/>
+                    <a:lumOff val="25000"/>
+                  </a:schemeClr>
+                </a:solidFill>
+                <a:latin typeface="+mj-ea"/>
+                <a:ea typeface="+mj-ea"/>
+              </a:rPr>
+              <a:t>安装运行情况</a:t>
+            </a:r>
+            <a:br>
+              <a:rPr lang="zh-CN" altLang="en-US" sz="900" dirty="0">
+                <a:solidFill>
+                  <a:schemeClr val="tx1">
+                    <a:lumMod val="75000"/>
+                    <a:lumOff val="25000"/>
+                  </a:schemeClr>
+                </a:solidFill>
+                <a:latin typeface="+mj-ea"/>
+                <a:ea typeface="+mj-ea"/>
+              </a:rPr>
+            </a:br>
+            <a:endParaRPr lang="zh-CN" altLang="en-US" sz="900" dirty="0">
+              <a:solidFill>
+                <a:schemeClr val="tx1">
+                  <a:lumMod val="75000"/>
+                  <a:lumOff val="25000"/>
+                </a:schemeClr>
+              </a:solidFill>
+              <a:latin typeface="+mj-ea"/>
+              <a:ea typeface="+mj-ea"/>
+            </a:endParaRPr>
+          </a:p>
+        </p:txBody>
+      </p:sp>
+      <p:pic>
+        <p:nvPicPr>
+          <p:cNvPr id="7" name="图片 6">
+            <a:extLst>
+              <a:ext uri="{FF2B5EF4-FFF2-40B4-BE49-F238E27FC236}">
+                <a16:creationId xmlns:a16="http://schemas.microsoft.com/office/drawing/2014/main" id="{D246B188-6766-F241-A4A9-B4C529E2D0A0}"/>
+              </a:ext>
+            </a:extLst>
+          </p:cNvPr>
+          <p:cNvPicPr>
+            <a:picLocks noChangeAspect="1"/>
+          </p:cNvPicPr>
+          <p:nvPr/>
+        </p:nvPicPr>
+        <p:blipFill>
+          <a:blip r:embed="rId4">
+            <a:extLst>
+              <a:ext uri="{28A0092B-C50C-407E-A947-70E740481C1C}">
+                <a14:useLocalDpi xmlns:a14="http://schemas.microsoft.com/office/drawing/2010/main" val="0"/>
+              </a:ext>
+            </a:extLst>
+          </a:blip>
+          <a:srcRect/>
+          <a:stretch/>
+        </p:blipFill>
+        <p:spPr>
+          <a:xfrm>
+            <a:off x="2153795" y="588866"/>
+            <a:ext cx="732719" cy="515318"/>
+          </a:xfrm>
+          <a:prstGeom prst="rect">
+            <a:avLst/>
+          </a:prstGeom>
+        </p:spPr>
+      </p:pic>
+    </p:spTree>
+    <p:extLst>
+      <p:ext uri="{BB962C8B-B14F-4D97-AF65-F5344CB8AC3E}">
+        <p14:creationId xmlns:p14="http://schemas.microsoft.com/office/powerpoint/2010/main" val="1516562481"/>
       </p:ext>
     </p:extLst>
   </p:cSld>

--- a/doc/assets/ppt/第 5 部分 系统运维.pptx
+++ b/doc/assets/ppt/第 5 部分 系统运维.pptx
@@ -5,12 +5,15 @@
     <p:sldMasterId id="2147483648" r:id="rId1"/>
   </p:sldMasterIdLst>
   <p:notesMasterIdLst>
-    <p:notesMasterId r:id="rId5"/>
+    <p:notesMasterId r:id="rId8"/>
   </p:notesMasterIdLst>
   <p:sldIdLst>
     <p:sldId id="337" r:id="rId2"/>
     <p:sldId id="338" r:id="rId3"/>
     <p:sldId id="339" r:id="rId4"/>
+    <p:sldId id="340" r:id="rId5"/>
+    <p:sldId id="341" r:id="rId6"/>
+    <p:sldId id="342" r:id="rId7"/>
   </p:sldIdLst>
   <p:sldSz cx="5040313" cy="3600450"/>
   <p:notesSz cx="6858000" cy="9144000"/>
@@ -118,9 +121,24 @@
             <p14:sldId id="338"/>
           </p14:sldIdLst>
         </p14:section>
-        <p14:section name="第02节：安装环境 Redis" id="{6A379FFB-4EBC-C744-BBE4-CB8875709903}">
+        <p14:section name="第02节：部署环境 Redis" id="{6A379FFB-4EBC-C744-BBE4-CB8875709903}">
           <p14:sldIdLst>
             <p14:sldId id="339"/>
+          </p14:sldIdLst>
+        </p14:section>
+        <p14:section name="第03节：部署环境 Kafka" id="{EA2D15E2-66B7-DD41-84F8-06857F5F617C}">
+          <p14:sldIdLst>
+            <p14:sldId id="340"/>
+          </p14:sldIdLst>
+        </p14:section>
+        <p14:section name="第04节：部署环境 Mysql" id="{A1739917-92E0-2B4F-A6F1-8EB78E79EC20}">
+          <p14:sldIdLst>
+            <p14:sldId id="341"/>
+          </p14:sldIdLst>
+        </p14:section>
+        <p14:section name="第05节：部署环境 xxl job" id="{7669B2CE-45EF-2144-A398-535C628465B3}">
+          <p14:sldIdLst>
+            <p14:sldId id="342"/>
           </p14:sldIdLst>
         </p14:section>
       </p14:sectionLst>
@@ -226,7 +244,7 @@
           <a:p>
             <a:fld id="{E47FC481-15AF-45CA-8376-B9BCE636A15E}" type="datetimeFigureOut">
               <a:rPr lang="zh-CN" altLang="en-US" smtClean="0"/>
-              <a:t>2021/11/28</a:t>
+              <a:t>2021/12/5</a:t>
             </a:fld>
             <a:endParaRPr lang="zh-CN" altLang="en-US"/>
           </a:p>
@@ -636,7 +654,7 @@
           <a:p>
             <a:fld id="{DCD554A7-7CC4-40A9-A60E-4E72AAE3CDC5}" type="datetimeFigureOut">
               <a:rPr lang="zh-CN" altLang="en-US" smtClean="0"/>
-              <a:t>2021/11/28</a:t>
+              <a:t>2021/12/5</a:t>
             </a:fld>
             <a:endParaRPr lang="zh-CN" altLang="en-US"/>
           </a:p>
@@ -844,7 +862,7 @@
           <a:p>
             <a:fld id="{DCD554A7-7CC4-40A9-A60E-4E72AAE3CDC5}" type="datetimeFigureOut">
               <a:rPr lang="zh-CN" altLang="en-US" smtClean="0"/>
-              <a:t>2021/11/28</a:t>
+              <a:t>2021/12/5</a:t>
             </a:fld>
             <a:endParaRPr lang="zh-CN" altLang="en-US"/>
           </a:p>
@@ -1052,7 +1070,7 @@
           <a:p>
             <a:fld id="{DCD554A7-7CC4-40A9-A60E-4E72AAE3CDC5}" type="datetimeFigureOut">
               <a:rPr lang="zh-CN" altLang="en-US" smtClean="0"/>
-              <a:t>2021/11/28</a:t>
+              <a:t>2021/12/5</a:t>
             </a:fld>
             <a:endParaRPr lang="zh-CN" altLang="en-US"/>
           </a:p>
@@ -1260,7 +1278,7 @@
           <a:p>
             <a:fld id="{DCD554A7-7CC4-40A9-A60E-4E72AAE3CDC5}" type="datetimeFigureOut">
               <a:rPr lang="zh-CN" altLang="en-US" smtClean="0"/>
-              <a:t>2021/11/28</a:t>
+              <a:t>2021/12/5</a:t>
             </a:fld>
             <a:endParaRPr lang="zh-CN" altLang="en-US"/>
           </a:p>
@@ -1535,7 +1553,7 @@
           <a:p>
             <a:fld id="{DCD554A7-7CC4-40A9-A60E-4E72AAE3CDC5}" type="datetimeFigureOut">
               <a:rPr lang="zh-CN" altLang="en-US" smtClean="0"/>
-              <a:t>2021/11/28</a:t>
+              <a:t>2021/12/5</a:t>
             </a:fld>
             <a:endParaRPr lang="zh-CN" altLang="en-US"/>
           </a:p>
@@ -1802,7 +1820,7 @@
           <a:p>
             <a:fld id="{DCD554A7-7CC4-40A9-A60E-4E72AAE3CDC5}" type="datetimeFigureOut">
               <a:rPr lang="zh-CN" altLang="en-US" smtClean="0"/>
-              <a:t>2021/11/28</a:t>
+              <a:t>2021/12/5</a:t>
             </a:fld>
             <a:endParaRPr lang="zh-CN" altLang="en-US"/>
           </a:p>
@@ -2205,7 +2223,7 @@
           <a:p>
             <a:fld id="{DCD554A7-7CC4-40A9-A60E-4E72AAE3CDC5}" type="datetimeFigureOut">
               <a:rPr lang="zh-CN" altLang="en-US" smtClean="0"/>
-              <a:t>2021/11/28</a:t>
+              <a:t>2021/12/5</a:t>
             </a:fld>
             <a:endParaRPr lang="zh-CN" altLang="en-US"/>
           </a:p>
@@ -2354,7 +2372,7 @@
           <a:p>
             <a:fld id="{DCD554A7-7CC4-40A9-A60E-4E72AAE3CDC5}" type="datetimeFigureOut">
               <a:rPr lang="zh-CN" altLang="en-US" smtClean="0"/>
-              <a:t>2021/11/28</a:t>
+              <a:t>2021/12/5</a:t>
             </a:fld>
             <a:endParaRPr lang="zh-CN" altLang="en-US"/>
           </a:p>
@@ -2473,7 +2491,7 @@
           <a:p>
             <a:fld id="{DCD554A7-7CC4-40A9-A60E-4E72AAE3CDC5}" type="datetimeFigureOut">
               <a:rPr lang="zh-CN" altLang="en-US" smtClean="0"/>
-              <a:t>2021/11/28</a:t>
+              <a:t>2021/12/5</a:t>
             </a:fld>
             <a:endParaRPr lang="zh-CN" altLang="en-US"/>
           </a:p>
@@ -2781,7 +2799,7 @@
           <a:p>
             <a:fld id="{DCD554A7-7CC4-40A9-A60E-4E72AAE3CDC5}" type="datetimeFigureOut">
               <a:rPr lang="zh-CN" altLang="en-US" smtClean="0"/>
-              <a:t>2021/11/28</a:t>
+              <a:t>2021/12/5</a:t>
             </a:fld>
             <a:endParaRPr lang="zh-CN" altLang="en-US"/>
           </a:p>
@@ -3066,7 +3084,7 @@
           <a:p>
             <a:fld id="{DCD554A7-7CC4-40A9-A60E-4E72AAE3CDC5}" type="datetimeFigureOut">
               <a:rPr lang="zh-CN" altLang="en-US" smtClean="0"/>
-              <a:t>2021/11/28</a:t>
+              <a:t>2021/12/5</a:t>
             </a:fld>
             <a:endParaRPr lang="zh-CN" altLang="en-US"/>
           </a:p>
@@ -8076,7 +8094,7 @@
             </a:r>
             <a:r>
               <a:rPr lang="zh-CN" altLang="en-US" sz="1800" dirty="0"/>
-              <a:t>节：安装环境 </a:t>
+              <a:t>节：部署环境 </a:t>
             </a:r>
             <a:r>
               <a:rPr lang="en" altLang="zh-CN" sz="1800" dirty="0"/>
@@ -8985,6 +9003,1675 @@
     <p:extLst>
       <p:ext uri="{BB962C8B-B14F-4D97-AF65-F5344CB8AC3E}">
         <p14:creationId xmlns:p14="http://schemas.microsoft.com/office/powerpoint/2010/main" val="1516562481"/>
+      </p:ext>
+    </p:extLst>
+  </p:cSld>
+  <p:clrMapOvr>
+    <a:masterClrMapping/>
+  </p:clrMapOvr>
+</p:sld>
+</file>
+
+<file path=ppt/slides/slide4.xml><?xml version="1.0" encoding="utf-8"?>
+<p:sld xmlns:a="http://schemas.openxmlformats.org/drawingml/2006/main" xmlns:r="http://schemas.openxmlformats.org/officeDocument/2006/relationships" xmlns:p="http://schemas.openxmlformats.org/presentationml/2006/main">
+  <p:cSld>
+    <p:spTree>
+      <p:nvGrpSpPr>
+        <p:cNvPr id="1" name=""/>
+        <p:cNvGrpSpPr/>
+        <p:nvPr/>
+      </p:nvGrpSpPr>
+      <p:grpSpPr>
+        <a:xfrm>
+          <a:off x="0" y="0"/>
+          <a:ext cx="0" cy="0"/>
+          <a:chOff x="0" y="0"/>
+          <a:chExt cx="0" cy="0"/>
+        </a:xfrm>
+      </p:grpSpPr>
+      <p:sp>
+        <p:nvSpPr>
+          <p:cNvPr id="3" name="矩形 2">
+            <a:extLst>
+              <a:ext uri="{FF2B5EF4-FFF2-40B4-BE49-F238E27FC236}">
+                <a16:creationId xmlns:a16="http://schemas.microsoft.com/office/drawing/2014/main" id="{01E47C42-3A0F-AE4F-9D52-DD7C0E71E04A}"/>
+              </a:ext>
+            </a:extLst>
+          </p:cNvPr>
+          <p:cNvSpPr/>
+          <p:nvPr/>
+        </p:nvSpPr>
+        <p:spPr>
+          <a:xfrm>
+            <a:off x="1" y="1297555"/>
+            <a:ext cx="5040312" cy="369332"/>
+          </a:xfrm>
+          <a:prstGeom prst="rect">
+            <a:avLst/>
+          </a:prstGeom>
+        </p:spPr>
+        <p:txBody>
+          <a:bodyPr wrap="square">
+            <a:spAutoFit/>
+          </a:bodyPr>
+          <a:lstStyle/>
+          <a:p>
+            <a:pPr algn="ctr"/>
+            <a:r>
+              <a:rPr lang="zh-CN" altLang="en-US" sz="1800" dirty="0"/>
+              <a:t>第</a:t>
+            </a:r>
+            <a:r>
+              <a:rPr lang="en-US" altLang="zh-CN" sz="1800" dirty="0"/>
+              <a:t>03</a:t>
+            </a:r>
+            <a:r>
+              <a:rPr lang="zh-CN" altLang="en-US" sz="1800" dirty="0"/>
+              <a:t>节：部署环境 </a:t>
+            </a:r>
+            <a:r>
+              <a:rPr lang="en" altLang="zh-CN" sz="1800" dirty="0"/>
+              <a:t>Kafka</a:t>
+            </a:r>
+            <a:endParaRPr lang="zh-CN" altLang="en-US" sz="1800" dirty="0"/>
+          </a:p>
+        </p:txBody>
+      </p:sp>
+      <p:sp>
+        <p:nvSpPr>
+          <p:cNvPr id="11" name="矩形 10">
+            <a:extLst>
+              <a:ext uri="{FF2B5EF4-FFF2-40B4-BE49-F238E27FC236}">
+                <a16:creationId xmlns:a16="http://schemas.microsoft.com/office/drawing/2014/main" id="{3BFD82CE-F64F-3D4E-A4C8-923660A6B63B}"/>
+              </a:ext>
+            </a:extLst>
+          </p:cNvPr>
+          <p:cNvSpPr/>
+          <p:nvPr/>
+        </p:nvSpPr>
+        <p:spPr>
+          <a:xfrm>
+            <a:off x="1" y="56943"/>
+            <a:ext cx="2815193" cy="338554"/>
+          </a:xfrm>
+          <a:prstGeom prst="rect">
+            <a:avLst/>
+          </a:prstGeom>
+          <a:noFill/>
+        </p:spPr>
+        <p:txBody>
+          <a:bodyPr wrap="none" lIns="91440" tIns="45720" rIns="91440" bIns="45720">
+            <a:spAutoFit/>
+          </a:bodyPr>
+          <a:lstStyle/>
+          <a:p>
+            <a:pPr algn="ctr"/>
+            <a:r>
+              <a:rPr lang="zh-CN" altLang="en-US" sz="1600" b="1" cap="none" spc="0" dirty="0">
+                <a:ln w="12700">
+                  <a:solidFill>
+                    <a:schemeClr val="accent5"/>
+                  </a:solidFill>
+                  <a:prstDash val="solid"/>
+                </a:ln>
+                <a:pattFill prst="ltDnDiag">
+                  <a:fgClr>
+                    <a:schemeClr val="accent5">
+                      <a:lumMod val="60000"/>
+                      <a:lumOff val="40000"/>
+                    </a:schemeClr>
+                  </a:fgClr>
+                  <a:bgClr>
+                    <a:schemeClr val="bg1"/>
+                  </a:bgClr>
+                </a:pattFill>
+                <a:effectLst/>
+              </a:rPr>
+              <a:t>抽奖系统 </a:t>
+            </a:r>
+            <a:r>
+              <a:rPr lang="en-US" altLang="zh-CN" sz="1600" b="1" cap="none" spc="0" dirty="0">
+                <a:ln w="12700">
+                  <a:solidFill>
+                    <a:schemeClr val="accent5"/>
+                  </a:solidFill>
+                  <a:prstDash val="solid"/>
+                </a:ln>
+                <a:pattFill prst="ltDnDiag">
+                  <a:fgClr>
+                    <a:schemeClr val="accent5">
+                      <a:lumMod val="60000"/>
+                      <a:lumOff val="40000"/>
+                    </a:schemeClr>
+                  </a:fgClr>
+                  <a:bgClr>
+                    <a:schemeClr val="bg1"/>
+                  </a:bgClr>
+                </a:pattFill>
+                <a:effectLst/>
+              </a:rPr>
+              <a:t>·</a:t>
+            </a:r>
+            <a:r>
+              <a:rPr lang="zh-CN" altLang="en-US" sz="1600" b="1" cap="none" spc="0" dirty="0">
+                <a:ln w="12700">
+                  <a:solidFill>
+                    <a:schemeClr val="accent5"/>
+                  </a:solidFill>
+                  <a:prstDash val="solid"/>
+                </a:ln>
+                <a:pattFill prst="ltDnDiag">
+                  <a:fgClr>
+                    <a:schemeClr val="accent5">
+                      <a:lumMod val="60000"/>
+                      <a:lumOff val="40000"/>
+                    </a:schemeClr>
+                  </a:fgClr>
+                  <a:bgClr>
+                    <a:schemeClr val="bg1"/>
+                  </a:bgClr>
+                </a:pattFill>
+                <a:effectLst/>
+              </a:rPr>
+              <a:t> 第</a:t>
+            </a:r>
+            <a:r>
+              <a:rPr lang="en-US" altLang="zh-CN" sz="1600" b="1" cap="none" spc="0" dirty="0">
+                <a:ln w="12700">
+                  <a:solidFill>
+                    <a:schemeClr val="accent5"/>
+                  </a:solidFill>
+                  <a:prstDash val="solid"/>
+                </a:ln>
+                <a:pattFill prst="ltDnDiag">
+                  <a:fgClr>
+                    <a:schemeClr val="accent5">
+                      <a:lumMod val="60000"/>
+                      <a:lumOff val="40000"/>
+                    </a:schemeClr>
+                  </a:fgClr>
+                  <a:bgClr>
+                    <a:schemeClr val="bg1"/>
+                  </a:bgClr>
+                </a:pattFill>
+                <a:effectLst/>
+              </a:rPr>
+              <a:t>5</a:t>
+            </a:r>
+            <a:r>
+              <a:rPr lang="zh-CN" altLang="en-US" sz="1600" b="1" cap="none" spc="0" dirty="0">
+                <a:ln w="12700">
+                  <a:solidFill>
+                    <a:schemeClr val="accent5"/>
+                  </a:solidFill>
+                  <a:prstDash val="solid"/>
+                </a:ln>
+                <a:pattFill prst="ltDnDiag">
+                  <a:fgClr>
+                    <a:schemeClr val="accent5">
+                      <a:lumMod val="60000"/>
+                      <a:lumOff val="40000"/>
+                    </a:schemeClr>
+                  </a:fgClr>
+                  <a:bgClr>
+                    <a:schemeClr val="bg1"/>
+                  </a:bgClr>
+                </a:pattFill>
+                <a:effectLst/>
+              </a:rPr>
+              <a:t>部分 系统运维</a:t>
+            </a:r>
+          </a:p>
+        </p:txBody>
+      </p:sp>
+      <p:sp>
+        <p:nvSpPr>
+          <p:cNvPr id="2" name="矩形 1">
+            <a:extLst>
+              <a:ext uri="{FF2B5EF4-FFF2-40B4-BE49-F238E27FC236}">
+                <a16:creationId xmlns:a16="http://schemas.microsoft.com/office/drawing/2014/main" id="{9DBC7427-2BE1-C246-A1BD-FCD4832FA2DE}"/>
+              </a:ext>
+            </a:extLst>
+          </p:cNvPr>
+          <p:cNvSpPr/>
+          <p:nvPr/>
+        </p:nvSpPr>
+        <p:spPr>
+          <a:xfrm>
+            <a:off x="160071" y="2015669"/>
+            <a:ext cx="4720168" cy="846386"/>
+          </a:xfrm>
+          <a:prstGeom prst="rect">
+            <a:avLst/>
+          </a:prstGeom>
+        </p:spPr>
+        <p:txBody>
+          <a:bodyPr wrap="square">
+            <a:spAutoFit/>
+          </a:bodyPr>
+          <a:lstStyle/>
+          <a:p>
+            <a:pPr marL="171450" indent="-171450">
+              <a:buFont typeface="Arial" panose="020B0604020202020204" pitchFamily="34" charset="0"/>
+              <a:buChar char="•"/>
+            </a:pPr>
+            <a:r>
+              <a:rPr lang="zh-CN" altLang="en-US" sz="800" dirty="0">
+                <a:solidFill>
+                  <a:schemeClr val="tx1">
+                    <a:lumMod val="75000"/>
+                    <a:lumOff val="25000"/>
+                  </a:schemeClr>
+                </a:solidFill>
+                <a:latin typeface="+mj-ea"/>
+                <a:ea typeface="+mj-ea"/>
+              </a:rPr>
+              <a:t>在 </a:t>
+            </a:r>
+            <a:r>
+              <a:rPr lang="en" altLang="zh-CN" sz="800" dirty="0">
+                <a:solidFill>
+                  <a:schemeClr val="tx1">
+                    <a:lumMod val="75000"/>
+                    <a:lumOff val="25000"/>
+                  </a:schemeClr>
+                </a:solidFill>
+                <a:latin typeface="+mj-ea"/>
+                <a:ea typeface="+mj-ea"/>
+              </a:rPr>
+              <a:t>Docker </a:t>
+            </a:r>
+            <a:r>
+              <a:rPr lang="zh-CN" altLang="en-US" sz="800" dirty="0">
+                <a:solidFill>
+                  <a:schemeClr val="tx1">
+                    <a:lumMod val="75000"/>
+                    <a:lumOff val="25000"/>
+                  </a:schemeClr>
+                </a:solidFill>
+                <a:latin typeface="+mj-ea"/>
+                <a:ea typeface="+mj-ea"/>
+              </a:rPr>
+              <a:t>容器中安装和配置 </a:t>
+            </a:r>
+            <a:r>
+              <a:rPr lang="en" altLang="zh-CN" sz="800" dirty="0">
+                <a:solidFill>
+                  <a:schemeClr val="tx1">
+                    <a:lumMod val="75000"/>
+                    <a:lumOff val="25000"/>
+                  </a:schemeClr>
+                </a:solidFill>
+                <a:latin typeface="+mj-ea"/>
+                <a:ea typeface="+mj-ea"/>
+              </a:rPr>
+              <a:t>Kafka </a:t>
+            </a:r>
+            <a:r>
+              <a:rPr lang="zh-CN" altLang="en-US" sz="800" dirty="0">
+                <a:solidFill>
+                  <a:schemeClr val="tx1">
+                    <a:lumMod val="75000"/>
+                    <a:lumOff val="25000"/>
+                  </a:schemeClr>
+                </a:solidFill>
+                <a:latin typeface="+mj-ea"/>
+                <a:ea typeface="+mj-ea"/>
+              </a:rPr>
+              <a:t>环境。关于 </a:t>
+            </a:r>
+            <a:r>
+              <a:rPr lang="en" altLang="zh-CN" sz="800" dirty="0">
+                <a:solidFill>
+                  <a:schemeClr val="tx1">
+                    <a:lumMod val="75000"/>
+                    <a:lumOff val="25000"/>
+                  </a:schemeClr>
+                </a:solidFill>
+                <a:latin typeface="+mj-ea"/>
+                <a:ea typeface="+mj-ea"/>
+              </a:rPr>
+              <a:t>Kafka </a:t>
+            </a:r>
+            <a:r>
+              <a:rPr lang="zh-CN" altLang="en-US" sz="800" dirty="0">
+                <a:solidFill>
+                  <a:schemeClr val="tx1">
+                    <a:lumMod val="75000"/>
+                    <a:lumOff val="25000"/>
+                  </a:schemeClr>
+                </a:solidFill>
+                <a:latin typeface="+mj-ea"/>
+                <a:ea typeface="+mj-ea"/>
+              </a:rPr>
+              <a:t>镜像可以在 </a:t>
+            </a:r>
+            <a:r>
+              <a:rPr lang="en" altLang="zh-CN" sz="800" dirty="0">
+                <a:solidFill>
+                  <a:schemeClr val="tx1">
+                    <a:lumMod val="75000"/>
+                    <a:lumOff val="25000"/>
+                  </a:schemeClr>
+                </a:solidFill>
+                <a:latin typeface="+mj-ea"/>
+                <a:ea typeface="+mj-ea"/>
+              </a:rPr>
+              <a:t>Docker </a:t>
+            </a:r>
+            <a:r>
+              <a:rPr lang="zh-CN" altLang="en-US" sz="800" dirty="0">
+                <a:solidFill>
+                  <a:schemeClr val="tx1">
+                    <a:lumMod val="75000"/>
+                    <a:lumOff val="25000"/>
+                  </a:schemeClr>
+                </a:solidFill>
+                <a:latin typeface="+mj-ea"/>
+                <a:ea typeface="+mj-ea"/>
+              </a:rPr>
+              <a:t>官网镜像中搜索 </a:t>
+            </a:r>
+            <a:r>
+              <a:rPr lang="en-US" altLang="zh-CN" sz="800" dirty="0">
+                <a:solidFill>
+                  <a:schemeClr val="tx1">
+                    <a:lumMod val="75000"/>
+                    <a:lumOff val="25000"/>
+                  </a:schemeClr>
+                </a:solidFill>
+                <a:latin typeface="+mj-ea"/>
+                <a:ea typeface="+mj-ea"/>
+              </a:rPr>
+              <a:t>[</a:t>
+            </a:r>
+            <a:r>
+              <a:rPr lang="en" altLang="zh-CN" sz="800" dirty="0">
+                <a:solidFill>
+                  <a:schemeClr val="tx1">
+                    <a:lumMod val="75000"/>
+                    <a:lumOff val="25000"/>
+                  </a:schemeClr>
+                </a:solidFill>
+                <a:latin typeface="+mj-ea"/>
+                <a:ea typeface="+mj-ea"/>
+              </a:rPr>
+              <a:t>https://</a:t>
+            </a:r>
+            <a:r>
+              <a:rPr lang="en" altLang="zh-CN" sz="800" dirty="0" err="1">
+                <a:solidFill>
+                  <a:schemeClr val="tx1">
+                    <a:lumMod val="75000"/>
+                    <a:lumOff val="25000"/>
+                  </a:schemeClr>
+                </a:solidFill>
+                <a:latin typeface="+mj-ea"/>
+                <a:ea typeface="+mj-ea"/>
+              </a:rPr>
+              <a:t>hub.docker.com</a:t>
+            </a:r>
+            <a:r>
+              <a:rPr lang="en" altLang="zh-CN" sz="800" dirty="0">
+                <a:solidFill>
+                  <a:schemeClr val="tx1">
+                    <a:lumMod val="75000"/>
+                    <a:lumOff val="25000"/>
+                  </a:schemeClr>
+                </a:solidFill>
+                <a:latin typeface="+mj-ea"/>
+                <a:ea typeface="+mj-ea"/>
+              </a:rPr>
+              <a:t>/r/</a:t>
+            </a:r>
+            <a:r>
+              <a:rPr lang="en" altLang="zh-CN" sz="800" dirty="0" err="1">
+                <a:solidFill>
+                  <a:schemeClr val="tx1">
+                    <a:lumMod val="75000"/>
+                    <a:lumOff val="25000"/>
+                  </a:schemeClr>
+                </a:solidFill>
+                <a:latin typeface="+mj-ea"/>
+                <a:ea typeface="+mj-ea"/>
+              </a:rPr>
+              <a:t>wurstmeister</a:t>
+            </a:r>
+            <a:r>
+              <a:rPr lang="en" altLang="zh-CN" sz="800" dirty="0">
+                <a:solidFill>
+                  <a:schemeClr val="tx1">
+                    <a:lumMod val="75000"/>
+                    <a:lumOff val="25000"/>
+                  </a:schemeClr>
+                </a:solidFill>
+                <a:latin typeface="+mj-ea"/>
+                <a:ea typeface="+mj-ea"/>
+              </a:rPr>
+              <a:t>/zookeeper](</a:t>
+            </a:r>
+            <a:r>
+              <a:rPr lang="en" altLang="zh-CN" sz="800" dirty="0">
+                <a:solidFill>
+                  <a:schemeClr val="tx1">
+                    <a:lumMod val="75000"/>
+                    <a:lumOff val="25000"/>
+                  </a:schemeClr>
+                </a:solidFill>
+                <a:latin typeface="+mj-ea"/>
+                <a:ea typeface="+mj-ea"/>
+                <a:hlinkClick r:id="rId2">
+                  <a:extLst>
+                    <a:ext uri="{A12FA001-AC4F-418D-AE19-62706E023703}">
+                      <ahyp:hlinkClr xmlns:ahyp="http://schemas.microsoft.com/office/drawing/2018/hyperlinkcolor" val="tx"/>
+                    </a:ext>
+                  </a:extLst>
+                </a:hlinkClick>
+              </a:rPr>
+              <a:t>https://hub.docker.com/r/wurstmeister/zookeeper</a:t>
+            </a:r>
+            <a:r>
+              <a:rPr lang="en" altLang="zh-CN" sz="800" dirty="0">
+                <a:solidFill>
+                  <a:schemeClr val="tx1">
+                    <a:lumMod val="75000"/>
+                    <a:lumOff val="25000"/>
+                  </a:schemeClr>
+                </a:solidFill>
+                <a:latin typeface="+mj-ea"/>
+                <a:ea typeface="+mj-ea"/>
+              </a:rPr>
+              <a:t>)</a:t>
+            </a:r>
+          </a:p>
+          <a:p>
+            <a:pPr marL="171450" indent="-171450">
+              <a:buFont typeface="Arial" panose="020B0604020202020204" pitchFamily="34" charset="0"/>
+              <a:buChar char="•"/>
+            </a:pPr>
+            <a:endParaRPr lang="en-US" altLang="zh-CN" sz="800" dirty="0">
+              <a:solidFill>
+                <a:schemeClr val="tx1">
+                  <a:lumMod val="75000"/>
+                  <a:lumOff val="25000"/>
+                </a:schemeClr>
+              </a:solidFill>
+              <a:latin typeface="+mj-ea"/>
+              <a:ea typeface="+mj-ea"/>
+            </a:endParaRPr>
+          </a:p>
+          <a:p>
+            <a:pPr marL="171450" indent="-171450">
+              <a:buFont typeface="Arial" panose="020B0604020202020204" pitchFamily="34" charset="0"/>
+              <a:buChar char="•"/>
+            </a:pPr>
+            <a:r>
+              <a:rPr lang="zh-CN" altLang="en-US" sz="800" dirty="0">
+                <a:solidFill>
+                  <a:schemeClr val="tx1">
+                    <a:lumMod val="75000"/>
+                    <a:lumOff val="25000"/>
+                  </a:schemeClr>
+                </a:solidFill>
+                <a:latin typeface="+mj-ea"/>
+                <a:ea typeface="+mj-ea"/>
+              </a:rPr>
+              <a:t>在 </a:t>
+            </a:r>
+            <a:r>
+              <a:rPr lang="en" altLang="zh-CN" sz="800" dirty="0">
+                <a:solidFill>
+                  <a:schemeClr val="tx1">
+                    <a:lumMod val="75000"/>
+                    <a:lumOff val="25000"/>
+                  </a:schemeClr>
+                </a:solidFill>
+                <a:latin typeface="+mj-ea"/>
+                <a:ea typeface="+mj-ea"/>
+              </a:rPr>
+              <a:t>Kafka </a:t>
+            </a:r>
+            <a:r>
+              <a:rPr lang="zh-CN" altLang="en-US" sz="800" dirty="0">
+                <a:solidFill>
+                  <a:schemeClr val="tx1">
+                    <a:lumMod val="75000"/>
+                    <a:lumOff val="25000"/>
+                  </a:schemeClr>
+                </a:solidFill>
+                <a:latin typeface="+mj-ea"/>
+                <a:ea typeface="+mj-ea"/>
+              </a:rPr>
+              <a:t>后台添加抽奖系统需要的 </a:t>
+            </a:r>
+            <a:r>
+              <a:rPr lang="en" altLang="zh-CN" sz="800" dirty="0">
+                <a:solidFill>
+                  <a:schemeClr val="tx1">
+                    <a:lumMod val="75000"/>
+                    <a:lumOff val="25000"/>
+                  </a:schemeClr>
+                </a:solidFill>
+                <a:latin typeface="+mj-ea"/>
+                <a:ea typeface="+mj-ea"/>
+              </a:rPr>
+              <a:t>Topic </a:t>
+            </a:r>
+            <a:r>
+              <a:rPr lang="zh-CN" altLang="en-US" sz="800" dirty="0">
+                <a:solidFill>
+                  <a:schemeClr val="tx1">
+                    <a:lumMod val="75000"/>
+                    <a:lumOff val="25000"/>
+                  </a:schemeClr>
+                </a:solidFill>
+                <a:latin typeface="+mj-ea"/>
+                <a:ea typeface="+mj-ea"/>
+              </a:rPr>
+              <a:t>主题，并在本地程序中进行测试</a:t>
+            </a:r>
+            <a:br>
+              <a:rPr lang="zh-CN" altLang="en-US" sz="900" dirty="0">
+                <a:solidFill>
+                  <a:schemeClr val="tx1">
+                    <a:lumMod val="75000"/>
+                    <a:lumOff val="25000"/>
+                  </a:schemeClr>
+                </a:solidFill>
+                <a:latin typeface="+mj-ea"/>
+                <a:ea typeface="+mj-ea"/>
+              </a:rPr>
+            </a:br>
+            <a:endParaRPr lang="zh-CN" altLang="en-US" sz="900" dirty="0">
+              <a:solidFill>
+                <a:schemeClr val="tx1">
+                  <a:lumMod val="75000"/>
+                  <a:lumOff val="25000"/>
+                </a:schemeClr>
+              </a:solidFill>
+              <a:latin typeface="+mj-ea"/>
+              <a:ea typeface="+mj-ea"/>
+            </a:endParaRPr>
+          </a:p>
+        </p:txBody>
+      </p:sp>
+      <p:pic>
+        <p:nvPicPr>
+          <p:cNvPr id="7" name="图片 6">
+            <a:extLst>
+              <a:ext uri="{FF2B5EF4-FFF2-40B4-BE49-F238E27FC236}">
+                <a16:creationId xmlns:a16="http://schemas.microsoft.com/office/drawing/2014/main" id="{D246B188-6766-F241-A4A9-B4C529E2D0A0}"/>
+              </a:ext>
+            </a:extLst>
+          </p:cNvPr>
+          <p:cNvPicPr>
+            <a:picLocks noChangeAspect="1"/>
+          </p:cNvPicPr>
+          <p:nvPr/>
+        </p:nvPicPr>
+        <p:blipFill>
+          <a:blip r:embed="rId3">
+            <a:extLst>
+              <a:ext uri="{28A0092B-C50C-407E-A947-70E740481C1C}">
+                <a14:useLocalDpi xmlns:a14="http://schemas.microsoft.com/office/drawing/2010/main" val="0"/>
+              </a:ext>
+            </a:extLst>
+          </a:blip>
+          <a:srcRect/>
+          <a:stretch/>
+        </p:blipFill>
+        <p:spPr>
+          <a:xfrm>
+            <a:off x="2262495" y="588866"/>
+            <a:ext cx="515318" cy="515318"/>
+          </a:xfrm>
+          <a:prstGeom prst="rect">
+            <a:avLst/>
+          </a:prstGeom>
+        </p:spPr>
+      </p:pic>
+    </p:spTree>
+    <p:extLst>
+      <p:ext uri="{BB962C8B-B14F-4D97-AF65-F5344CB8AC3E}">
+        <p14:creationId xmlns:p14="http://schemas.microsoft.com/office/powerpoint/2010/main" val="2900793034"/>
+      </p:ext>
+    </p:extLst>
+  </p:cSld>
+  <p:clrMapOvr>
+    <a:masterClrMapping/>
+  </p:clrMapOvr>
+</p:sld>
+</file>
+
+<file path=ppt/slides/slide5.xml><?xml version="1.0" encoding="utf-8"?>
+<p:sld xmlns:a="http://schemas.openxmlformats.org/drawingml/2006/main" xmlns:r="http://schemas.openxmlformats.org/officeDocument/2006/relationships" xmlns:p="http://schemas.openxmlformats.org/presentationml/2006/main">
+  <p:cSld>
+    <p:spTree>
+      <p:nvGrpSpPr>
+        <p:cNvPr id="1" name=""/>
+        <p:cNvGrpSpPr/>
+        <p:nvPr/>
+      </p:nvGrpSpPr>
+      <p:grpSpPr>
+        <a:xfrm>
+          <a:off x="0" y="0"/>
+          <a:ext cx="0" cy="0"/>
+          <a:chOff x="0" y="0"/>
+          <a:chExt cx="0" cy="0"/>
+        </a:xfrm>
+      </p:grpSpPr>
+      <p:sp>
+        <p:nvSpPr>
+          <p:cNvPr id="3" name="矩形 2">
+            <a:extLst>
+              <a:ext uri="{FF2B5EF4-FFF2-40B4-BE49-F238E27FC236}">
+                <a16:creationId xmlns:a16="http://schemas.microsoft.com/office/drawing/2014/main" id="{01E47C42-3A0F-AE4F-9D52-DD7C0E71E04A}"/>
+              </a:ext>
+            </a:extLst>
+          </p:cNvPr>
+          <p:cNvSpPr/>
+          <p:nvPr/>
+        </p:nvSpPr>
+        <p:spPr>
+          <a:xfrm>
+            <a:off x="1" y="1297555"/>
+            <a:ext cx="5040312" cy="369332"/>
+          </a:xfrm>
+          <a:prstGeom prst="rect">
+            <a:avLst/>
+          </a:prstGeom>
+        </p:spPr>
+        <p:txBody>
+          <a:bodyPr wrap="square">
+            <a:spAutoFit/>
+          </a:bodyPr>
+          <a:lstStyle/>
+          <a:p>
+            <a:pPr algn="ctr"/>
+            <a:r>
+              <a:rPr lang="zh-CN" altLang="en-US" sz="1800" dirty="0"/>
+              <a:t>第</a:t>
+            </a:r>
+            <a:r>
+              <a:rPr lang="en-US" altLang="zh-CN" sz="1800" dirty="0"/>
+              <a:t>04</a:t>
+            </a:r>
+            <a:r>
+              <a:rPr lang="zh-CN" altLang="en-US" sz="1800" dirty="0"/>
+              <a:t>节：部署环境 </a:t>
+            </a:r>
+            <a:r>
+              <a:rPr lang="en" altLang="zh-CN" sz="1800" dirty="0" err="1"/>
+              <a:t>Mysql</a:t>
+            </a:r>
+            <a:endParaRPr lang="zh-CN" altLang="en-US" sz="1800" dirty="0"/>
+          </a:p>
+        </p:txBody>
+      </p:sp>
+      <p:sp>
+        <p:nvSpPr>
+          <p:cNvPr id="11" name="矩形 10">
+            <a:extLst>
+              <a:ext uri="{FF2B5EF4-FFF2-40B4-BE49-F238E27FC236}">
+                <a16:creationId xmlns:a16="http://schemas.microsoft.com/office/drawing/2014/main" id="{3BFD82CE-F64F-3D4E-A4C8-923660A6B63B}"/>
+              </a:ext>
+            </a:extLst>
+          </p:cNvPr>
+          <p:cNvSpPr/>
+          <p:nvPr/>
+        </p:nvSpPr>
+        <p:spPr>
+          <a:xfrm>
+            <a:off x="1" y="56943"/>
+            <a:ext cx="2815193" cy="338554"/>
+          </a:xfrm>
+          <a:prstGeom prst="rect">
+            <a:avLst/>
+          </a:prstGeom>
+          <a:noFill/>
+        </p:spPr>
+        <p:txBody>
+          <a:bodyPr wrap="none" lIns="91440" tIns="45720" rIns="91440" bIns="45720">
+            <a:spAutoFit/>
+          </a:bodyPr>
+          <a:lstStyle/>
+          <a:p>
+            <a:pPr algn="ctr"/>
+            <a:r>
+              <a:rPr lang="zh-CN" altLang="en-US" sz="1600" b="1" cap="none" spc="0" dirty="0">
+                <a:ln w="12700">
+                  <a:solidFill>
+                    <a:schemeClr val="accent5"/>
+                  </a:solidFill>
+                  <a:prstDash val="solid"/>
+                </a:ln>
+                <a:pattFill prst="ltDnDiag">
+                  <a:fgClr>
+                    <a:schemeClr val="accent5">
+                      <a:lumMod val="60000"/>
+                      <a:lumOff val="40000"/>
+                    </a:schemeClr>
+                  </a:fgClr>
+                  <a:bgClr>
+                    <a:schemeClr val="bg1"/>
+                  </a:bgClr>
+                </a:pattFill>
+                <a:effectLst/>
+              </a:rPr>
+              <a:t>抽奖系统 </a:t>
+            </a:r>
+            <a:r>
+              <a:rPr lang="en-US" altLang="zh-CN" sz="1600" b="1" cap="none" spc="0" dirty="0">
+                <a:ln w="12700">
+                  <a:solidFill>
+                    <a:schemeClr val="accent5"/>
+                  </a:solidFill>
+                  <a:prstDash val="solid"/>
+                </a:ln>
+                <a:pattFill prst="ltDnDiag">
+                  <a:fgClr>
+                    <a:schemeClr val="accent5">
+                      <a:lumMod val="60000"/>
+                      <a:lumOff val="40000"/>
+                    </a:schemeClr>
+                  </a:fgClr>
+                  <a:bgClr>
+                    <a:schemeClr val="bg1"/>
+                  </a:bgClr>
+                </a:pattFill>
+                <a:effectLst/>
+              </a:rPr>
+              <a:t>·</a:t>
+            </a:r>
+            <a:r>
+              <a:rPr lang="zh-CN" altLang="en-US" sz="1600" b="1" cap="none" spc="0" dirty="0">
+                <a:ln w="12700">
+                  <a:solidFill>
+                    <a:schemeClr val="accent5"/>
+                  </a:solidFill>
+                  <a:prstDash val="solid"/>
+                </a:ln>
+                <a:pattFill prst="ltDnDiag">
+                  <a:fgClr>
+                    <a:schemeClr val="accent5">
+                      <a:lumMod val="60000"/>
+                      <a:lumOff val="40000"/>
+                    </a:schemeClr>
+                  </a:fgClr>
+                  <a:bgClr>
+                    <a:schemeClr val="bg1"/>
+                  </a:bgClr>
+                </a:pattFill>
+                <a:effectLst/>
+              </a:rPr>
+              <a:t> 第</a:t>
+            </a:r>
+            <a:r>
+              <a:rPr lang="en-US" altLang="zh-CN" sz="1600" b="1" cap="none" spc="0" dirty="0">
+                <a:ln w="12700">
+                  <a:solidFill>
+                    <a:schemeClr val="accent5"/>
+                  </a:solidFill>
+                  <a:prstDash val="solid"/>
+                </a:ln>
+                <a:pattFill prst="ltDnDiag">
+                  <a:fgClr>
+                    <a:schemeClr val="accent5">
+                      <a:lumMod val="60000"/>
+                      <a:lumOff val="40000"/>
+                    </a:schemeClr>
+                  </a:fgClr>
+                  <a:bgClr>
+                    <a:schemeClr val="bg1"/>
+                  </a:bgClr>
+                </a:pattFill>
+                <a:effectLst/>
+              </a:rPr>
+              <a:t>5</a:t>
+            </a:r>
+            <a:r>
+              <a:rPr lang="zh-CN" altLang="en-US" sz="1600" b="1" cap="none" spc="0" dirty="0">
+                <a:ln w="12700">
+                  <a:solidFill>
+                    <a:schemeClr val="accent5"/>
+                  </a:solidFill>
+                  <a:prstDash val="solid"/>
+                </a:ln>
+                <a:pattFill prst="ltDnDiag">
+                  <a:fgClr>
+                    <a:schemeClr val="accent5">
+                      <a:lumMod val="60000"/>
+                      <a:lumOff val="40000"/>
+                    </a:schemeClr>
+                  </a:fgClr>
+                  <a:bgClr>
+                    <a:schemeClr val="bg1"/>
+                  </a:bgClr>
+                </a:pattFill>
+                <a:effectLst/>
+              </a:rPr>
+              <a:t>部分 系统运维</a:t>
+            </a:r>
+          </a:p>
+        </p:txBody>
+      </p:sp>
+      <p:sp>
+        <p:nvSpPr>
+          <p:cNvPr id="2" name="矩形 1">
+            <a:extLst>
+              <a:ext uri="{FF2B5EF4-FFF2-40B4-BE49-F238E27FC236}">
+                <a16:creationId xmlns:a16="http://schemas.microsoft.com/office/drawing/2014/main" id="{9DBC7427-2BE1-C246-A1BD-FCD4832FA2DE}"/>
+              </a:ext>
+            </a:extLst>
+          </p:cNvPr>
+          <p:cNvSpPr/>
+          <p:nvPr/>
+        </p:nvSpPr>
+        <p:spPr>
+          <a:xfrm>
+            <a:off x="160071" y="2015669"/>
+            <a:ext cx="4720168" cy="353943"/>
+          </a:xfrm>
+          <a:prstGeom prst="rect">
+            <a:avLst/>
+          </a:prstGeom>
+        </p:spPr>
+        <p:txBody>
+          <a:bodyPr wrap="square">
+            <a:spAutoFit/>
+          </a:bodyPr>
+          <a:lstStyle/>
+          <a:p>
+            <a:pPr marL="171450" indent="-171450">
+              <a:buFont typeface="Arial" panose="020B0604020202020204" pitchFamily="34" charset="0"/>
+              <a:buChar char="•"/>
+            </a:pPr>
+            <a:r>
+              <a:rPr lang="zh-CN" altLang="en-US" sz="800" dirty="0">
+                <a:solidFill>
+                  <a:schemeClr val="tx1">
+                    <a:lumMod val="75000"/>
+                    <a:lumOff val="25000"/>
+                  </a:schemeClr>
+                </a:solidFill>
+                <a:latin typeface="+mj-ea"/>
+                <a:ea typeface="+mj-ea"/>
+              </a:rPr>
+              <a:t>拉取 </a:t>
+            </a:r>
+            <a:r>
+              <a:rPr lang="en" altLang="zh-CN" sz="800" dirty="0" err="1">
+                <a:solidFill>
+                  <a:schemeClr val="tx1">
+                    <a:lumMod val="75000"/>
+                    <a:lumOff val="25000"/>
+                  </a:schemeClr>
+                </a:solidFill>
+                <a:latin typeface="+mj-ea"/>
+                <a:ea typeface="+mj-ea"/>
+              </a:rPr>
+              <a:t>Mysql</a:t>
+            </a:r>
+            <a:r>
+              <a:rPr lang="en" altLang="zh-CN" sz="800" dirty="0">
+                <a:solidFill>
+                  <a:schemeClr val="tx1">
+                    <a:lumMod val="75000"/>
+                    <a:lumOff val="25000"/>
+                  </a:schemeClr>
+                </a:solidFill>
+                <a:latin typeface="+mj-ea"/>
+                <a:ea typeface="+mj-ea"/>
+              </a:rPr>
+              <a:t> </a:t>
+            </a:r>
+            <a:r>
+              <a:rPr lang="zh-CN" altLang="en-US" sz="800" dirty="0">
+                <a:solidFill>
+                  <a:schemeClr val="tx1">
+                    <a:lumMod val="75000"/>
+                    <a:lumOff val="25000"/>
+                  </a:schemeClr>
+                </a:solidFill>
+                <a:latin typeface="+mj-ea"/>
+                <a:ea typeface="+mj-ea"/>
+              </a:rPr>
+              <a:t>镜像部署 </a:t>
+            </a:r>
+            <a:r>
+              <a:rPr lang="en" altLang="zh-CN" sz="800" dirty="0">
+                <a:solidFill>
+                  <a:schemeClr val="tx1">
+                    <a:lumMod val="75000"/>
+                    <a:lumOff val="25000"/>
+                  </a:schemeClr>
+                </a:solidFill>
+                <a:latin typeface="+mj-ea"/>
+                <a:ea typeface="+mj-ea"/>
+              </a:rPr>
+              <a:t>Docker</a:t>
+            </a:r>
+            <a:r>
+              <a:rPr lang="zh-CN" altLang="en" sz="800" dirty="0">
+                <a:solidFill>
+                  <a:schemeClr val="tx1">
+                    <a:lumMod val="75000"/>
+                    <a:lumOff val="25000"/>
+                  </a:schemeClr>
+                </a:solidFill>
+                <a:latin typeface="+mj-ea"/>
+                <a:ea typeface="+mj-ea"/>
+              </a:rPr>
+              <a:t>，</a:t>
+            </a:r>
+            <a:r>
+              <a:rPr lang="zh-CN" altLang="en-US" sz="800" dirty="0">
+                <a:solidFill>
+                  <a:schemeClr val="tx1">
+                    <a:lumMod val="75000"/>
+                    <a:lumOff val="25000"/>
+                  </a:schemeClr>
+                </a:solidFill>
+                <a:latin typeface="+mj-ea"/>
+                <a:ea typeface="+mj-ea"/>
+              </a:rPr>
+              <a:t>使用本地工具链接 </a:t>
+            </a:r>
+            <a:r>
+              <a:rPr lang="en" altLang="zh-CN" sz="800" dirty="0" err="1">
+                <a:solidFill>
+                  <a:schemeClr val="tx1">
+                    <a:lumMod val="75000"/>
+                    <a:lumOff val="25000"/>
+                  </a:schemeClr>
+                </a:solidFill>
+                <a:latin typeface="+mj-ea"/>
+                <a:ea typeface="+mj-ea"/>
+              </a:rPr>
+              <a:t>Mysql</a:t>
+            </a:r>
+            <a:r>
+              <a:rPr lang="en" altLang="zh-CN" sz="800" dirty="0">
+                <a:solidFill>
+                  <a:schemeClr val="tx1">
+                    <a:lumMod val="75000"/>
+                    <a:lumOff val="25000"/>
+                  </a:schemeClr>
+                </a:solidFill>
+                <a:latin typeface="+mj-ea"/>
+                <a:ea typeface="+mj-ea"/>
+              </a:rPr>
+              <a:t> </a:t>
+            </a:r>
+            <a:r>
+              <a:rPr lang="zh-CN" altLang="en-US" sz="800" dirty="0">
+                <a:solidFill>
+                  <a:schemeClr val="tx1">
+                    <a:lumMod val="75000"/>
+                    <a:lumOff val="25000"/>
+                  </a:schemeClr>
+                </a:solidFill>
+                <a:latin typeface="+mj-ea"/>
+                <a:ea typeface="+mj-ea"/>
+              </a:rPr>
+              <a:t>创建库表并导入建表语句</a:t>
+            </a:r>
+            <a:br>
+              <a:rPr lang="zh-CN" altLang="en-US" sz="900" dirty="0">
+                <a:solidFill>
+                  <a:schemeClr val="tx1">
+                    <a:lumMod val="75000"/>
+                    <a:lumOff val="25000"/>
+                  </a:schemeClr>
+                </a:solidFill>
+                <a:latin typeface="+mj-ea"/>
+                <a:ea typeface="+mj-ea"/>
+              </a:rPr>
+            </a:br>
+            <a:endParaRPr lang="zh-CN" altLang="en-US" sz="900" dirty="0">
+              <a:solidFill>
+                <a:schemeClr val="tx1">
+                  <a:lumMod val="75000"/>
+                  <a:lumOff val="25000"/>
+                </a:schemeClr>
+              </a:solidFill>
+              <a:latin typeface="+mj-ea"/>
+              <a:ea typeface="+mj-ea"/>
+            </a:endParaRPr>
+          </a:p>
+        </p:txBody>
+      </p:sp>
+      <p:pic>
+        <p:nvPicPr>
+          <p:cNvPr id="7" name="图片 6">
+            <a:extLst>
+              <a:ext uri="{FF2B5EF4-FFF2-40B4-BE49-F238E27FC236}">
+                <a16:creationId xmlns:a16="http://schemas.microsoft.com/office/drawing/2014/main" id="{D246B188-6766-F241-A4A9-B4C529E2D0A0}"/>
+              </a:ext>
+            </a:extLst>
+          </p:cNvPr>
+          <p:cNvPicPr>
+            <a:picLocks noChangeAspect="1"/>
+          </p:cNvPicPr>
+          <p:nvPr/>
+        </p:nvPicPr>
+        <p:blipFill>
+          <a:blip r:embed="rId2">
+            <a:extLst>
+              <a:ext uri="{28A0092B-C50C-407E-A947-70E740481C1C}">
+                <a14:useLocalDpi xmlns:a14="http://schemas.microsoft.com/office/drawing/2010/main" val="0"/>
+              </a:ext>
+            </a:extLst>
+          </a:blip>
+          <a:srcRect/>
+          <a:stretch/>
+        </p:blipFill>
+        <p:spPr>
+          <a:xfrm>
+            <a:off x="2262495" y="588866"/>
+            <a:ext cx="515318" cy="515318"/>
+          </a:xfrm>
+          <a:prstGeom prst="rect">
+            <a:avLst/>
+          </a:prstGeom>
+        </p:spPr>
+      </p:pic>
+    </p:spTree>
+    <p:extLst>
+      <p:ext uri="{BB962C8B-B14F-4D97-AF65-F5344CB8AC3E}">
+        <p14:creationId xmlns:p14="http://schemas.microsoft.com/office/powerpoint/2010/main" val="764926739"/>
+      </p:ext>
+    </p:extLst>
+  </p:cSld>
+  <p:clrMapOvr>
+    <a:masterClrMapping/>
+  </p:clrMapOvr>
+</p:sld>
+</file>
+
+<file path=ppt/slides/slide6.xml><?xml version="1.0" encoding="utf-8"?>
+<p:sld xmlns:a="http://schemas.openxmlformats.org/drawingml/2006/main" xmlns:r="http://schemas.openxmlformats.org/officeDocument/2006/relationships" xmlns:p="http://schemas.openxmlformats.org/presentationml/2006/main">
+  <p:cSld>
+    <p:spTree>
+      <p:nvGrpSpPr>
+        <p:cNvPr id="1" name=""/>
+        <p:cNvGrpSpPr/>
+        <p:nvPr/>
+      </p:nvGrpSpPr>
+      <p:grpSpPr>
+        <a:xfrm>
+          <a:off x="0" y="0"/>
+          <a:ext cx="0" cy="0"/>
+          <a:chOff x="0" y="0"/>
+          <a:chExt cx="0" cy="0"/>
+        </a:xfrm>
+      </p:grpSpPr>
+      <p:sp>
+        <p:nvSpPr>
+          <p:cNvPr id="3" name="矩形 2">
+            <a:extLst>
+              <a:ext uri="{FF2B5EF4-FFF2-40B4-BE49-F238E27FC236}">
+                <a16:creationId xmlns:a16="http://schemas.microsoft.com/office/drawing/2014/main" id="{01E47C42-3A0F-AE4F-9D52-DD7C0E71E04A}"/>
+              </a:ext>
+            </a:extLst>
+          </p:cNvPr>
+          <p:cNvSpPr/>
+          <p:nvPr/>
+        </p:nvSpPr>
+        <p:spPr>
+          <a:xfrm>
+            <a:off x="1" y="1297555"/>
+            <a:ext cx="5040312" cy="369332"/>
+          </a:xfrm>
+          <a:prstGeom prst="rect">
+            <a:avLst/>
+          </a:prstGeom>
+        </p:spPr>
+        <p:txBody>
+          <a:bodyPr wrap="square">
+            <a:spAutoFit/>
+          </a:bodyPr>
+          <a:lstStyle/>
+          <a:p>
+            <a:pPr algn="ctr"/>
+            <a:r>
+              <a:rPr lang="zh-CN" altLang="en-US" sz="1800" dirty="0"/>
+              <a:t>第</a:t>
+            </a:r>
+            <a:r>
+              <a:rPr lang="en-US" altLang="zh-CN" sz="1800" dirty="0"/>
+              <a:t>05</a:t>
+            </a:r>
+            <a:r>
+              <a:rPr lang="zh-CN" altLang="en-US" sz="1800" dirty="0"/>
+              <a:t>节：部署环境 </a:t>
+            </a:r>
+            <a:r>
+              <a:rPr lang="en" altLang="zh-CN" sz="1800" dirty="0" err="1"/>
+              <a:t>xxl</a:t>
+            </a:r>
+            <a:r>
+              <a:rPr lang="en" altLang="zh-CN" sz="1800" dirty="0"/>
+              <a:t> job</a:t>
+            </a:r>
+            <a:endParaRPr lang="zh-CN" altLang="en-US" sz="1800" dirty="0"/>
+          </a:p>
+        </p:txBody>
+      </p:sp>
+      <p:sp>
+        <p:nvSpPr>
+          <p:cNvPr id="11" name="矩形 10">
+            <a:extLst>
+              <a:ext uri="{FF2B5EF4-FFF2-40B4-BE49-F238E27FC236}">
+                <a16:creationId xmlns:a16="http://schemas.microsoft.com/office/drawing/2014/main" id="{3BFD82CE-F64F-3D4E-A4C8-923660A6B63B}"/>
+              </a:ext>
+            </a:extLst>
+          </p:cNvPr>
+          <p:cNvSpPr/>
+          <p:nvPr/>
+        </p:nvSpPr>
+        <p:spPr>
+          <a:xfrm>
+            <a:off x="1" y="56943"/>
+            <a:ext cx="2815193" cy="338554"/>
+          </a:xfrm>
+          <a:prstGeom prst="rect">
+            <a:avLst/>
+          </a:prstGeom>
+          <a:noFill/>
+        </p:spPr>
+        <p:txBody>
+          <a:bodyPr wrap="none" lIns="91440" tIns="45720" rIns="91440" bIns="45720">
+            <a:spAutoFit/>
+          </a:bodyPr>
+          <a:lstStyle/>
+          <a:p>
+            <a:pPr algn="ctr"/>
+            <a:r>
+              <a:rPr lang="zh-CN" altLang="en-US" sz="1600" b="1" cap="none" spc="0" dirty="0">
+                <a:ln w="12700">
+                  <a:solidFill>
+                    <a:schemeClr val="accent5"/>
+                  </a:solidFill>
+                  <a:prstDash val="solid"/>
+                </a:ln>
+                <a:pattFill prst="ltDnDiag">
+                  <a:fgClr>
+                    <a:schemeClr val="accent5">
+                      <a:lumMod val="60000"/>
+                      <a:lumOff val="40000"/>
+                    </a:schemeClr>
+                  </a:fgClr>
+                  <a:bgClr>
+                    <a:schemeClr val="bg1"/>
+                  </a:bgClr>
+                </a:pattFill>
+                <a:effectLst/>
+              </a:rPr>
+              <a:t>抽奖系统 </a:t>
+            </a:r>
+            <a:r>
+              <a:rPr lang="en-US" altLang="zh-CN" sz="1600" b="1" cap="none" spc="0" dirty="0">
+                <a:ln w="12700">
+                  <a:solidFill>
+                    <a:schemeClr val="accent5"/>
+                  </a:solidFill>
+                  <a:prstDash val="solid"/>
+                </a:ln>
+                <a:pattFill prst="ltDnDiag">
+                  <a:fgClr>
+                    <a:schemeClr val="accent5">
+                      <a:lumMod val="60000"/>
+                      <a:lumOff val="40000"/>
+                    </a:schemeClr>
+                  </a:fgClr>
+                  <a:bgClr>
+                    <a:schemeClr val="bg1"/>
+                  </a:bgClr>
+                </a:pattFill>
+                <a:effectLst/>
+              </a:rPr>
+              <a:t>·</a:t>
+            </a:r>
+            <a:r>
+              <a:rPr lang="zh-CN" altLang="en-US" sz="1600" b="1" cap="none" spc="0" dirty="0">
+                <a:ln w="12700">
+                  <a:solidFill>
+                    <a:schemeClr val="accent5"/>
+                  </a:solidFill>
+                  <a:prstDash val="solid"/>
+                </a:ln>
+                <a:pattFill prst="ltDnDiag">
+                  <a:fgClr>
+                    <a:schemeClr val="accent5">
+                      <a:lumMod val="60000"/>
+                      <a:lumOff val="40000"/>
+                    </a:schemeClr>
+                  </a:fgClr>
+                  <a:bgClr>
+                    <a:schemeClr val="bg1"/>
+                  </a:bgClr>
+                </a:pattFill>
+                <a:effectLst/>
+              </a:rPr>
+              <a:t> 第</a:t>
+            </a:r>
+            <a:r>
+              <a:rPr lang="en-US" altLang="zh-CN" sz="1600" b="1" cap="none" spc="0" dirty="0">
+                <a:ln w="12700">
+                  <a:solidFill>
+                    <a:schemeClr val="accent5"/>
+                  </a:solidFill>
+                  <a:prstDash val="solid"/>
+                </a:ln>
+                <a:pattFill prst="ltDnDiag">
+                  <a:fgClr>
+                    <a:schemeClr val="accent5">
+                      <a:lumMod val="60000"/>
+                      <a:lumOff val="40000"/>
+                    </a:schemeClr>
+                  </a:fgClr>
+                  <a:bgClr>
+                    <a:schemeClr val="bg1"/>
+                  </a:bgClr>
+                </a:pattFill>
+                <a:effectLst/>
+              </a:rPr>
+              <a:t>5</a:t>
+            </a:r>
+            <a:r>
+              <a:rPr lang="zh-CN" altLang="en-US" sz="1600" b="1" cap="none" spc="0" dirty="0">
+                <a:ln w="12700">
+                  <a:solidFill>
+                    <a:schemeClr val="accent5"/>
+                  </a:solidFill>
+                  <a:prstDash val="solid"/>
+                </a:ln>
+                <a:pattFill prst="ltDnDiag">
+                  <a:fgClr>
+                    <a:schemeClr val="accent5">
+                      <a:lumMod val="60000"/>
+                      <a:lumOff val="40000"/>
+                    </a:schemeClr>
+                  </a:fgClr>
+                  <a:bgClr>
+                    <a:schemeClr val="bg1"/>
+                  </a:bgClr>
+                </a:pattFill>
+                <a:effectLst/>
+              </a:rPr>
+              <a:t>部分 系统运维</a:t>
+            </a:r>
+          </a:p>
+        </p:txBody>
+      </p:sp>
+      <p:sp>
+        <p:nvSpPr>
+          <p:cNvPr id="2" name="矩形 1">
+            <a:extLst>
+              <a:ext uri="{FF2B5EF4-FFF2-40B4-BE49-F238E27FC236}">
+                <a16:creationId xmlns:a16="http://schemas.microsoft.com/office/drawing/2014/main" id="{9DBC7427-2BE1-C246-A1BD-FCD4832FA2DE}"/>
+              </a:ext>
+            </a:extLst>
+          </p:cNvPr>
+          <p:cNvSpPr/>
+          <p:nvPr/>
+        </p:nvSpPr>
+        <p:spPr>
+          <a:xfrm>
+            <a:off x="160071" y="2015669"/>
+            <a:ext cx="4720168" cy="969496"/>
+          </a:xfrm>
+          <a:prstGeom prst="rect">
+            <a:avLst/>
+          </a:prstGeom>
+        </p:spPr>
+        <p:txBody>
+          <a:bodyPr wrap="square">
+            <a:spAutoFit/>
+          </a:bodyPr>
+          <a:lstStyle/>
+          <a:p>
+            <a:endParaRPr lang="en-US" altLang="zh-CN" sz="800" dirty="0">
+              <a:solidFill>
+                <a:schemeClr val="tx1">
+                  <a:lumMod val="75000"/>
+                  <a:lumOff val="25000"/>
+                </a:schemeClr>
+              </a:solidFill>
+              <a:latin typeface="+mj-ea"/>
+              <a:ea typeface="+mj-ea"/>
+            </a:endParaRPr>
+          </a:p>
+          <a:p>
+            <a:pPr marL="171450" indent="-171450">
+              <a:buFont typeface="Arial" panose="020B0604020202020204" pitchFamily="34" charset="0"/>
+              <a:buChar char="•"/>
+            </a:pPr>
+            <a:r>
+              <a:rPr lang="zh-CN" altLang="en-US" sz="800" dirty="0">
+                <a:solidFill>
+                  <a:schemeClr val="tx1">
+                    <a:lumMod val="75000"/>
+                    <a:lumOff val="25000"/>
+                  </a:schemeClr>
+                </a:solidFill>
+                <a:latin typeface="+mj-ea"/>
+                <a:ea typeface="+mj-ea"/>
+              </a:rPr>
+              <a:t>在 </a:t>
+            </a:r>
+            <a:r>
+              <a:rPr lang="en" altLang="zh-CN" sz="800" dirty="0">
+                <a:solidFill>
+                  <a:schemeClr val="tx1">
+                    <a:lumMod val="75000"/>
+                    <a:lumOff val="25000"/>
+                  </a:schemeClr>
+                </a:solidFill>
+                <a:latin typeface="+mj-ea"/>
+                <a:ea typeface="+mj-ea"/>
+              </a:rPr>
+              <a:t>Docker </a:t>
+            </a:r>
+            <a:r>
+              <a:rPr lang="zh-CN" altLang="en-US" sz="800" dirty="0">
+                <a:solidFill>
+                  <a:schemeClr val="tx1">
+                    <a:lumMod val="75000"/>
+                    <a:lumOff val="25000"/>
+                  </a:schemeClr>
+                </a:solidFill>
+                <a:latin typeface="+mj-ea"/>
+                <a:ea typeface="+mj-ea"/>
+              </a:rPr>
+              <a:t>容器中部署 </a:t>
+            </a:r>
+            <a:r>
+              <a:rPr lang="en" altLang="zh-CN" sz="800" dirty="0" err="1">
+                <a:solidFill>
+                  <a:schemeClr val="tx1">
+                    <a:lumMod val="75000"/>
+                    <a:lumOff val="25000"/>
+                  </a:schemeClr>
+                </a:solidFill>
+                <a:latin typeface="+mj-ea"/>
+                <a:ea typeface="+mj-ea"/>
+              </a:rPr>
+              <a:t>xxl</a:t>
+            </a:r>
+            <a:r>
+              <a:rPr lang="en" altLang="zh-CN" sz="800" dirty="0">
+                <a:solidFill>
+                  <a:schemeClr val="tx1">
+                    <a:lumMod val="75000"/>
+                    <a:lumOff val="25000"/>
+                  </a:schemeClr>
+                </a:solidFill>
+                <a:latin typeface="+mj-ea"/>
+                <a:ea typeface="+mj-ea"/>
+              </a:rPr>
+              <a:t>-job</a:t>
+            </a:r>
+            <a:r>
+              <a:rPr lang="zh-CN" altLang="en" sz="800" dirty="0">
+                <a:solidFill>
+                  <a:schemeClr val="tx1">
+                    <a:lumMod val="75000"/>
+                    <a:lumOff val="25000"/>
+                  </a:schemeClr>
+                </a:solidFill>
+                <a:latin typeface="+mj-ea"/>
+                <a:ea typeface="+mj-ea"/>
+              </a:rPr>
+              <a:t>，</a:t>
+            </a:r>
+            <a:r>
+              <a:rPr lang="zh-CN" altLang="en-US" sz="800" dirty="0">
+                <a:solidFill>
+                  <a:schemeClr val="tx1">
+                    <a:lumMod val="75000"/>
+                    <a:lumOff val="25000"/>
+                  </a:schemeClr>
+                </a:solidFill>
+                <a:latin typeface="+mj-ea"/>
+                <a:ea typeface="+mj-ea"/>
+              </a:rPr>
+              <a:t>在部署之前我们需要一个 </a:t>
+            </a:r>
+            <a:r>
+              <a:rPr lang="en" altLang="zh-CN" sz="800" dirty="0" err="1">
+                <a:solidFill>
+                  <a:schemeClr val="tx1">
+                    <a:lumMod val="75000"/>
+                    <a:lumOff val="25000"/>
+                  </a:schemeClr>
+                </a:solidFill>
+                <a:latin typeface="+mj-ea"/>
+                <a:ea typeface="+mj-ea"/>
+              </a:rPr>
+              <a:t>Mysql</a:t>
+            </a:r>
+            <a:r>
+              <a:rPr lang="en" altLang="zh-CN" sz="800" dirty="0">
+                <a:solidFill>
+                  <a:schemeClr val="tx1">
+                    <a:lumMod val="75000"/>
+                    <a:lumOff val="25000"/>
+                  </a:schemeClr>
+                </a:solidFill>
+                <a:latin typeface="+mj-ea"/>
+                <a:ea typeface="+mj-ea"/>
+              </a:rPr>
+              <a:t> </a:t>
+            </a:r>
+            <a:r>
+              <a:rPr lang="zh-CN" altLang="en-US" sz="800" dirty="0">
+                <a:solidFill>
+                  <a:schemeClr val="tx1">
+                    <a:lumMod val="75000"/>
+                    <a:lumOff val="25000"/>
+                  </a:schemeClr>
+                </a:solidFill>
+                <a:latin typeface="+mj-ea"/>
+                <a:ea typeface="+mj-ea"/>
+              </a:rPr>
+              <a:t>的环境，这个环境我们已经在上一章节中安装完成。 </a:t>
+            </a:r>
+            <a:endParaRPr lang="en-US" altLang="zh-CN" sz="800" dirty="0">
+              <a:solidFill>
+                <a:schemeClr val="tx1">
+                  <a:lumMod val="75000"/>
+                  <a:lumOff val="25000"/>
+                </a:schemeClr>
+              </a:solidFill>
+              <a:latin typeface="+mj-ea"/>
+              <a:ea typeface="+mj-ea"/>
+            </a:endParaRPr>
+          </a:p>
+          <a:p>
+            <a:pPr marL="171450" indent="-171450">
+              <a:buFont typeface="Arial" panose="020B0604020202020204" pitchFamily="34" charset="0"/>
+              <a:buChar char="•"/>
+            </a:pPr>
+            <a:endParaRPr lang="en-US" altLang="zh-CN" sz="800" dirty="0">
+              <a:solidFill>
+                <a:schemeClr val="tx1">
+                  <a:lumMod val="75000"/>
+                  <a:lumOff val="25000"/>
+                </a:schemeClr>
+              </a:solidFill>
+              <a:latin typeface="+mj-ea"/>
+              <a:ea typeface="+mj-ea"/>
+            </a:endParaRPr>
+          </a:p>
+          <a:p>
+            <a:pPr marL="171450" indent="-171450">
+              <a:buFont typeface="Arial" panose="020B0604020202020204" pitchFamily="34" charset="0"/>
+              <a:buChar char="•"/>
+            </a:pPr>
+            <a:r>
+              <a:rPr lang="zh-CN" altLang="en-US" sz="800" dirty="0">
+                <a:solidFill>
+                  <a:schemeClr val="tx1">
+                    <a:lumMod val="75000"/>
+                    <a:lumOff val="25000"/>
+                  </a:schemeClr>
+                </a:solidFill>
+                <a:latin typeface="+mj-ea"/>
+                <a:ea typeface="+mj-ea"/>
+              </a:rPr>
+              <a:t>本章节下载了 </a:t>
+            </a:r>
+            <a:r>
+              <a:rPr lang="en" altLang="zh-CN" sz="800" dirty="0" err="1">
+                <a:solidFill>
+                  <a:schemeClr val="tx1">
+                    <a:lumMod val="75000"/>
+                    <a:lumOff val="25000"/>
+                  </a:schemeClr>
+                </a:solidFill>
+                <a:latin typeface="+mj-ea"/>
+                <a:ea typeface="+mj-ea"/>
+              </a:rPr>
+              <a:t>xxl</a:t>
+            </a:r>
+            <a:r>
+              <a:rPr lang="en" altLang="zh-CN" sz="800" dirty="0">
+                <a:solidFill>
+                  <a:schemeClr val="tx1">
+                    <a:lumMod val="75000"/>
+                    <a:lumOff val="25000"/>
+                  </a:schemeClr>
+                </a:solidFill>
+                <a:latin typeface="+mj-ea"/>
+                <a:ea typeface="+mj-ea"/>
+              </a:rPr>
+              <a:t>-job 2.1.2 </a:t>
+            </a:r>
+            <a:r>
+              <a:rPr lang="zh-CN" altLang="en-US" sz="800" dirty="0">
+                <a:solidFill>
+                  <a:schemeClr val="tx1">
+                    <a:lumMod val="75000"/>
+                    <a:lumOff val="25000"/>
+                  </a:schemeClr>
+                </a:solidFill>
+                <a:latin typeface="+mj-ea"/>
+                <a:ea typeface="+mj-ea"/>
+              </a:rPr>
+              <a:t>对应 </a:t>
+            </a:r>
+            <a:r>
+              <a:rPr lang="en" altLang="zh-CN" sz="800" dirty="0">
+                <a:solidFill>
+                  <a:schemeClr val="tx1">
+                    <a:lumMod val="75000"/>
+                    <a:lumOff val="25000"/>
+                  </a:schemeClr>
+                </a:solidFill>
+                <a:latin typeface="+mj-ea"/>
+                <a:ea typeface="+mj-ea"/>
+              </a:rPr>
+              <a:t>SQL </a:t>
+            </a:r>
+            <a:r>
+              <a:rPr lang="zh-CN" altLang="en-US" sz="800" dirty="0">
+                <a:solidFill>
+                  <a:schemeClr val="tx1">
+                    <a:lumMod val="75000"/>
+                    <a:lumOff val="25000"/>
+                  </a:schemeClr>
+                </a:solidFill>
+                <a:latin typeface="+mj-ea"/>
+                <a:ea typeface="+mj-ea"/>
+              </a:rPr>
+              <a:t>文件已经存放到这里，你可以直接打开使用：</a:t>
+            </a:r>
+            <a:r>
+              <a:rPr lang="en" altLang="zh-CN" sz="800" dirty="0">
+                <a:solidFill>
+                  <a:schemeClr val="tx1">
+                    <a:lumMod val="75000"/>
+                    <a:lumOff val="25000"/>
+                  </a:schemeClr>
+                </a:solidFill>
+                <a:latin typeface="+mj-ea"/>
+                <a:ea typeface="+mj-ea"/>
+                <a:hlinkClick r:id="rId2">
+                  <a:extLst>
+                    <a:ext uri="{A12FA001-AC4F-418D-AE19-62706E023703}">
+                      <ahyp:hlinkClr xmlns:ahyp="http://schemas.microsoft.com/office/drawing/2018/hyperlinkcolor" val="tx"/>
+                    </a:ext>
+                  </a:extLst>
+                </a:hlinkClick>
+              </a:rPr>
+              <a:t>xxl-job.sql</a:t>
+            </a:r>
+            <a:br>
+              <a:rPr lang="zh-CN" altLang="en-US" sz="900" dirty="0">
+                <a:solidFill>
+                  <a:schemeClr val="tx1">
+                    <a:lumMod val="75000"/>
+                    <a:lumOff val="25000"/>
+                  </a:schemeClr>
+                </a:solidFill>
+                <a:latin typeface="+mj-ea"/>
+                <a:ea typeface="+mj-ea"/>
+              </a:rPr>
+            </a:br>
+            <a:endParaRPr lang="zh-CN" altLang="en-US" sz="900" dirty="0">
+              <a:solidFill>
+                <a:schemeClr val="tx1">
+                  <a:lumMod val="75000"/>
+                  <a:lumOff val="25000"/>
+                </a:schemeClr>
+              </a:solidFill>
+              <a:latin typeface="+mj-ea"/>
+              <a:ea typeface="+mj-ea"/>
+            </a:endParaRPr>
+          </a:p>
+        </p:txBody>
+      </p:sp>
+      <p:pic>
+        <p:nvPicPr>
+          <p:cNvPr id="7" name="图片 6">
+            <a:extLst>
+              <a:ext uri="{FF2B5EF4-FFF2-40B4-BE49-F238E27FC236}">
+                <a16:creationId xmlns:a16="http://schemas.microsoft.com/office/drawing/2014/main" id="{D246B188-6766-F241-A4A9-B4C529E2D0A0}"/>
+              </a:ext>
+            </a:extLst>
+          </p:cNvPr>
+          <p:cNvPicPr>
+            <a:picLocks noChangeAspect="1"/>
+          </p:cNvPicPr>
+          <p:nvPr/>
+        </p:nvPicPr>
+        <p:blipFill>
+          <a:blip r:embed="rId3">
+            <a:extLst>
+              <a:ext uri="{28A0092B-C50C-407E-A947-70E740481C1C}">
+                <a14:useLocalDpi xmlns:a14="http://schemas.microsoft.com/office/drawing/2010/main" val="0"/>
+              </a:ext>
+            </a:extLst>
+          </a:blip>
+          <a:srcRect/>
+          <a:stretch/>
+        </p:blipFill>
+        <p:spPr>
+          <a:xfrm>
+            <a:off x="2262495" y="588866"/>
+            <a:ext cx="515318" cy="515318"/>
+          </a:xfrm>
+          <a:prstGeom prst="rect">
+            <a:avLst/>
+          </a:prstGeom>
+        </p:spPr>
+      </p:pic>
+    </p:spTree>
+    <p:extLst>
+      <p:ext uri="{BB962C8B-B14F-4D97-AF65-F5344CB8AC3E}">
+        <p14:creationId xmlns:p14="http://schemas.microsoft.com/office/powerpoint/2010/main" val="2805301814"/>
       </p:ext>
     </p:extLst>
   </p:cSld>
